--- a/Artefatos/ApresentaçãoFinal.pptx
+++ b/Artefatos/ApresentaçãoFinal.pptx
@@ -145,7 +145,7 @@
   </p:defaultTextStyle>
   <p:extLst>
     <p:ext uri="{EFAFB233-063F-42B5-8137-9DF3F51BA10A}">
-      <p15:sldGuideLst xmlns:p15="http://schemas.microsoft.com/office/powerpoint/2012/main"/>
+      <p15:sldGuideLst xmlns:p15="http://schemas.microsoft.com/office/powerpoint/2012/main" xmlns=""/>
     </p:ext>
   </p:extLst>
 </p:presentation>
@@ -156,7 +156,7 @@
   <p:cmAuthor id="1" name="Alessandra Farias" initials="AF" lastIdx="1" clrIdx="0">
     <p:extLst>
       <p:ext uri="{19B8F6BF-5375-455C-9EA6-DF929625EA0E}">
-        <p15:presenceInfo xmlns:p15="http://schemas.microsoft.com/office/powerpoint/2012/main" userId="a38df557c5382de6" providerId="Windows Live"/>
+        <p15:presenceInfo xmlns:p15="http://schemas.microsoft.com/office/powerpoint/2012/main" xmlns="" userId="a38df557c5382de6" providerId="Windows Live"/>
       </p:ext>
     </p:extLst>
   </p:cmAuthor>
@@ -245,6 +245,7 @@
           <a:p>
             <a:fld id="{ABE26BC3-723C-4211-93B3-D26DD4BC8B10}" type="datetimeFigureOut">
               <a:rPr lang="en-US" smtClean="0"/>
+              <a:pPr/>
               <a:t>12/5/2016</a:t>
             </a:fld>
             <a:endParaRPr lang="en-US"/>
@@ -404,7 +405,8 @@
           <a:p>
             <a:fld id="{E4DC4694-9E65-4554-A000-122B3053084B}" type="slidenum">
               <a:rPr lang="en-US" smtClean="0"/>
-              <a:t>‹nº›</a:t>
+              <a:pPr/>
+              <a:t>‹#›</a:t>
             </a:fld>
             <a:endParaRPr lang="en-US"/>
           </a:p>
@@ -413,7 +415,7 @@
     </p:spTree>
     <p:extLst>
       <p:ext uri="{BB962C8B-B14F-4D97-AF65-F5344CB8AC3E}">
-        <p14:creationId xmlns:p14="http://schemas.microsoft.com/office/powerpoint/2010/main" val="161989494"/>
+        <p14:creationId xmlns:p14="http://schemas.microsoft.com/office/powerpoint/2010/main" xmlns="" val="161989494"/>
       </p:ext>
     </p:extLst>
   </p:cSld>
@@ -608,7 +610,7 @@
           <a:effectLst/>
           <a:extLst>
             <a:ext uri="{91240B29-F687-4F45-9708-019B960494DF}">
-              <a14:hiddenLine xmlns:a14="http://schemas.microsoft.com/office/drawing/2010/main" w="9525">
+              <a14:hiddenLine xmlns:a14="http://schemas.microsoft.com/office/drawing/2010/main" xmlns="" w="9525">
                 <a:solidFill>
                   <a:srgbClr val="000000"/>
                 </a:solidFill>
@@ -800,6 +802,7 @@
           <a:p>
             <a:fld id="{4D7A3868-B581-4D4C-B513-EF6D09283E4D}" type="datetimeFigureOut">
               <a:rPr lang="en-US" smtClean="0"/>
+              <a:pPr/>
               <a:t>12/5/2016</a:t>
             </a:fld>
             <a:endParaRPr lang="en-US"/>
@@ -842,7 +845,8 @@
           <a:p>
             <a:fld id="{A7526B98-9ABE-4933-9EF7-1BCA1F598F88}" type="slidenum">
               <a:rPr lang="en-US" smtClean="0"/>
-              <a:t>‹nº›</a:t>
+              <a:pPr/>
+              <a:t>‹#›</a:t>
             </a:fld>
             <a:endParaRPr lang="en-US"/>
           </a:p>
@@ -851,7 +855,7 @@
     </p:spTree>
     <p:extLst>
       <p:ext uri="{BB962C8B-B14F-4D97-AF65-F5344CB8AC3E}">
-        <p14:creationId xmlns:p14="http://schemas.microsoft.com/office/powerpoint/2010/main" val="2708454105"/>
+        <p14:creationId xmlns:p14="http://schemas.microsoft.com/office/powerpoint/2010/main" xmlns="" val="2708454105"/>
       </p:ext>
     </p:extLst>
   </p:cSld>
@@ -1118,6 +1122,7 @@
           <a:p>
             <a:fld id="{4D7A3868-B581-4D4C-B513-EF6D09283E4D}" type="datetimeFigureOut">
               <a:rPr lang="en-US" smtClean="0"/>
+              <a:pPr/>
               <a:t>12/5/2016</a:t>
             </a:fld>
             <a:endParaRPr lang="en-US"/>
@@ -1160,7 +1165,8 @@
           <a:p>
             <a:fld id="{A7526B98-9ABE-4933-9EF7-1BCA1F598F88}" type="slidenum">
               <a:rPr lang="en-US" smtClean="0"/>
-              <a:t>‹nº›</a:t>
+              <a:pPr/>
+              <a:t>‹#›</a:t>
             </a:fld>
             <a:endParaRPr lang="en-US"/>
           </a:p>
@@ -1169,7 +1175,7 @@
     </p:spTree>
     <p:extLst>
       <p:ext uri="{BB962C8B-B14F-4D97-AF65-F5344CB8AC3E}">
-        <p14:creationId xmlns:p14="http://schemas.microsoft.com/office/powerpoint/2010/main" val="3540378762"/>
+        <p14:creationId xmlns:p14="http://schemas.microsoft.com/office/powerpoint/2010/main" xmlns="" val="3540378762"/>
       </p:ext>
     </p:extLst>
   </p:cSld>
@@ -1606,6 +1612,7 @@
           <a:p>
             <a:fld id="{4D7A3868-B581-4D4C-B513-EF6D09283E4D}" type="datetimeFigureOut">
               <a:rPr lang="en-US" smtClean="0"/>
+              <a:pPr/>
               <a:t>12/5/2016</a:t>
             </a:fld>
             <a:endParaRPr lang="en-US"/>
@@ -1648,7 +1655,8 @@
           <a:p>
             <a:fld id="{A7526B98-9ABE-4933-9EF7-1BCA1F598F88}" type="slidenum">
               <a:rPr lang="en-US" smtClean="0"/>
-              <a:t>‹nº›</a:t>
+              <a:pPr/>
+              <a:t>‹#›</a:t>
             </a:fld>
             <a:endParaRPr lang="en-US"/>
           </a:p>
@@ -1657,7 +1665,7 @@
     </p:spTree>
     <p:extLst>
       <p:ext uri="{BB962C8B-B14F-4D97-AF65-F5344CB8AC3E}">
-        <p14:creationId xmlns:p14="http://schemas.microsoft.com/office/powerpoint/2010/main" val="1037652430"/>
+        <p14:creationId xmlns:p14="http://schemas.microsoft.com/office/powerpoint/2010/main" xmlns="" val="1037652430"/>
       </p:ext>
     </p:extLst>
   </p:cSld>
@@ -1975,6 +1983,7 @@
           <a:p>
             <a:fld id="{4D7A3868-B581-4D4C-B513-EF6D09283E4D}" type="datetimeFigureOut">
               <a:rPr lang="en-US" smtClean="0"/>
+              <a:pPr/>
               <a:t>12/5/2016</a:t>
             </a:fld>
             <a:endParaRPr lang="en-US"/>
@@ -2017,7 +2026,8 @@
           <a:p>
             <a:fld id="{A7526B98-9ABE-4933-9EF7-1BCA1F598F88}" type="slidenum">
               <a:rPr lang="en-US" smtClean="0"/>
-              <a:t>‹nº›</a:t>
+              <a:pPr/>
+              <a:t>‹#›</a:t>
             </a:fld>
             <a:endParaRPr lang="en-US"/>
           </a:p>
@@ -2026,7 +2036,7 @@
     </p:spTree>
     <p:extLst>
       <p:ext uri="{BB962C8B-B14F-4D97-AF65-F5344CB8AC3E}">
-        <p14:creationId xmlns:p14="http://schemas.microsoft.com/office/powerpoint/2010/main" val="2660019939"/>
+        <p14:creationId xmlns:p14="http://schemas.microsoft.com/office/powerpoint/2010/main" xmlns="" val="2660019939"/>
       </p:ext>
     </p:extLst>
   </p:cSld>
@@ -2130,7 +2140,7 @@
           <a:ln/>
           <a:extLst>
             <a:ext uri="{91240B29-F687-4F45-9708-019B960494DF}">
-              <a14:hiddenLine xmlns:a14="http://schemas.microsoft.com/office/drawing/2010/main" w="9525">
+              <a14:hiddenLine xmlns:a14="http://schemas.microsoft.com/office/drawing/2010/main" xmlns="" w="9525">
                 <a:solidFill>
                   <a:srgbClr val="000000"/>
                 </a:solidFill>
@@ -2248,6 +2258,7 @@
           <a:p>
             <a:fld id="{4D7A3868-B581-4D4C-B513-EF6D09283E4D}" type="datetimeFigureOut">
               <a:rPr lang="en-US" smtClean="0"/>
+              <a:pPr/>
               <a:t>12/5/2016</a:t>
             </a:fld>
             <a:endParaRPr lang="en-US"/>
@@ -2290,7 +2301,8 @@
           <a:p>
             <a:fld id="{A7526B98-9ABE-4933-9EF7-1BCA1F598F88}" type="slidenum">
               <a:rPr lang="en-US" smtClean="0"/>
-              <a:t>‹nº›</a:t>
+              <a:pPr/>
+              <a:t>‹#›</a:t>
             </a:fld>
             <a:endParaRPr lang="en-US"/>
           </a:p>
@@ -2299,7 +2311,7 @@
     </p:spTree>
     <p:extLst>
       <p:ext uri="{BB962C8B-B14F-4D97-AF65-F5344CB8AC3E}">
-        <p14:creationId xmlns:p14="http://schemas.microsoft.com/office/powerpoint/2010/main" val="2921246849"/>
+        <p14:creationId xmlns:p14="http://schemas.microsoft.com/office/powerpoint/2010/main" xmlns="" val="2921246849"/>
       </p:ext>
     </p:extLst>
   </p:cSld>
@@ -2405,7 +2417,7 @@
           <a:ln/>
           <a:extLst>
             <a:ext uri="{91240B29-F687-4F45-9708-019B960494DF}">
-              <a14:hiddenLine xmlns:a14="http://schemas.microsoft.com/office/drawing/2010/main" w="9525">
+              <a14:hiddenLine xmlns:a14="http://schemas.microsoft.com/office/drawing/2010/main" xmlns="" w="9525">
                 <a:solidFill>
                   <a:srgbClr val="000000"/>
                 </a:solidFill>
@@ -2453,14 +2465,14 @@
           </a:ln>
           <a:extLst>
             <a:ext uri="{909E8E84-426E-40DD-AFC4-6F175D3DCCD1}">
-              <a14:hiddenFill xmlns:a14="http://schemas.microsoft.com/office/drawing/2010/main">
+              <a14:hiddenFill xmlns:a14="http://schemas.microsoft.com/office/drawing/2010/main" xmlns="">
                 <a:solidFill>
                   <a:srgbClr val="FFFFFF"/>
                 </a:solidFill>
               </a14:hiddenFill>
             </a:ext>
             <a:ext uri="{91240B29-F687-4F45-9708-019B960494DF}">
-              <a14:hiddenLine xmlns:a14="http://schemas.microsoft.com/office/drawing/2010/main" w="9525">
+              <a14:hiddenLine xmlns:a14="http://schemas.microsoft.com/office/drawing/2010/main" xmlns="" w="9525">
                 <a:solidFill>
                   <a:srgbClr val="000000"/>
                 </a:solidFill>
@@ -2574,6 +2586,7 @@
           <a:p>
             <a:fld id="{4D7A3868-B581-4D4C-B513-EF6D09283E4D}" type="datetimeFigureOut">
               <a:rPr lang="en-US" smtClean="0"/>
+              <a:pPr/>
               <a:t>12/5/2016</a:t>
             </a:fld>
             <a:endParaRPr lang="en-US"/>
@@ -2616,7 +2629,8 @@
           <a:p>
             <a:fld id="{A7526B98-9ABE-4933-9EF7-1BCA1F598F88}" type="slidenum">
               <a:rPr lang="en-US" smtClean="0"/>
-              <a:t>‹nº›</a:t>
+              <a:pPr/>
+              <a:t>‹#›</a:t>
             </a:fld>
             <a:endParaRPr lang="en-US"/>
           </a:p>
@@ -2625,7 +2639,7 @@
     </p:spTree>
     <p:extLst>
       <p:ext uri="{BB962C8B-B14F-4D97-AF65-F5344CB8AC3E}">
-        <p14:creationId xmlns:p14="http://schemas.microsoft.com/office/powerpoint/2010/main" val="941574565"/>
+        <p14:creationId xmlns:p14="http://schemas.microsoft.com/office/powerpoint/2010/main" xmlns="" val="941574565"/>
       </p:ext>
     </p:extLst>
   </p:cSld>
@@ -2729,7 +2743,7 @@
           <a:ln/>
           <a:extLst>
             <a:ext uri="{91240B29-F687-4F45-9708-019B960494DF}">
-              <a14:hiddenLine xmlns:a14="http://schemas.microsoft.com/office/drawing/2010/main" w="9525">
+              <a14:hiddenLine xmlns:a14="http://schemas.microsoft.com/office/drawing/2010/main" xmlns="" w="9525">
                 <a:solidFill>
                   <a:srgbClr val="000000"/>
                 </a:solidFill>
@@ -2852,6 +2866,7 @@
           <a:p>
             <a:fld id="{4D7A3868-B581-4D4C-B513-EF6D09283E4D}" type="datetimeFigureOut">
               <a:rPr lang="en-US" smtClean="0"/>
+              <a:pPr/>
               <a:t>12/5/2016</a:t>
             </a:fld>
             <a:endParaRPr lang="en-US"/>
@@ -2894,7 +2909,8 @@
           <a:p>
             <a:fld id="{A7526B98-9ABE-4933-9EF7-1BCA1F598F88}" type="slidenum">
               <a:rPr lang="en-US" smtClean="0"/>
-              <a:t>‹nº›</a:t>
+              <a:pPr/>
+              <a:t>‹#›</a:t>
             </a:fld>
             <a:endParaRPr lang="en-US"/>
           </a:p>
@@ -2903,7 +2919,7 @@
     </p:spTree>
     <p:extLst>
       <p:ext uri="{BB962C8B-B14F-4D97-AF65-F5344CB8AC3E}">
-        <p14:creationId xmlns:p14="http://schemas.microsoft.com/office/powerpoint/2010/main" val="1881359006"/>
+        <p14:creationId xmlns:p14="http://schemas.microsoft.com/office/powerpoint/2010/main" xmlns="" val="1881359006"/>
       </p:ext>
     </p:extLst>
   </p:cSld>
@@ -3195,6 +3211,7 @@
           <a:p>
             <a:fld id="{4D7A3868-B581-4D4C-B513-EF6D09283E4D}" type="datetimeFigureOut">
               <a:rPr lang="en-US" smtClean="0"/>
+              <a:pPr/>
               <a:t>12/5/2016</a:t>
             </a:fld>
             <a:endParaRPr lang="en-US"/>
@@ -3237,7 +3254,8 @@
           <a:p>
             <a:fld id="{A7526B98-9ABE-4933-9EF7-1BCA1F598F88}" type="slidenum">
               <a:rPr lang="en-US" smtClean="0"/>
-              <a:t>‹nº›</a:t>
+              <a:pPr/>
+              <a:t>‹#›</a:t>
             </a:fld>
             <a:endParaRPr lang="en-US"/>
           </a:p>
@@ -3246,7 +3264,7 @@
     </p:spTree>
     <p:extLst>
       <p:ext uri="{BB962C8B-B14F-4D97-AF65-F5344CB8AC3E}">
-        <p14:creationId xmlns:p14="http://schemas.microsoft.com/office/powerpoint/2010/main" val="555625787"/>
+        <p14:creationId xmlns:p14="http://schemas.microsoft.com/office/powerpoint/2010/main" xmlns="" val="555625787"/>
       </p:ext>
     </p:extLst>
   </p:cSld>
@@ -3350,7 +3368,7 @@
           <a:ln/>
           <a:extLst>
             <a:ext uri="{91240B29-F687-4F45-9708-019B960494DF}">
-              <a14:hiddenLine xmlns:a14="http://schemas.microsoft.com/office/drawing/2010/main" w="9525">
+              <a14:hiddenLine xmlns:a14="http://schemas.microsoft.com/office/drawing/2010/main" xmlns="" w="9525">
                 <a:solidFill>
                   <a:srgbClr val="000000"/>
                 </a:solidFill>
@@ -3534,6 +3552,7 @@
           <a:p>
             <a:fld id="{4D7A3868-B581-4D4C-B513-EF6D09283E4D}" type="datetimeFigureOut">
               <a:rPr lang="en-US" smtClean="0"/>
+              <a:pPr/>
               <a:t>12/5/2016</a:t>
             </a:fld>
             <a:endParaRPr lang="en-US"/>
@@ -3576,7 +3595,8 @@
           <a:p>
             <a:fld id="{A7526B98-9ABE-4933-9EF7-1BCA1F598F88}" type="slidenum">
               <a:rPr lang="en-US" smtClean="0"/>
-              <a:t>‹nº›</a:t>
+              <a:pPr/>
+              <a:t>‹#›</a:t>
             </a:fld>
             <a:endParaRPr lang="en-US"/>
           </a:p>
@@ -3585,7 +3605,7 @@
     </p:spTree>
     <p:extLst>
       <p:ext uri="{BB962C8B-B14F-4D97-AF65-F5344CB8AC3E}">
-        <p14:creationId xmlns:p14="http://schemas.microsoft.com/office/powerpoint/2010/main" val="1862805284"/>
+        <p14:creationId xmlns:p14="http://schemas.microsoft.com/office/powerpoint/2010/main" xmlns="" val="1862805284"/>
       </p:ext>
     </p:extLst>
   </p:cSld>
@@ -3689,7 +3709,7 @@
           <a:ln/>
           <a:extLst>
             <a:ext uri="{91240B29-F687-4F45-9708-019B960494DF}">
-              <a14:hiddenLine xmlns:a14="http://schemas.microsoft.com/office/drawing/2010/main" w="9525">
+              <a14:hiddenLine xmlns:a14="http://schemas.microsoft.com/office/drawing/2010/main" xmlns="" w="9525">
                 <a:solidFill>
                   <a:srgbClr val="000000"/>
                 </a:solidFill>
@@ -4011,6 +4031,7 @@
           <a:p>
             <a:fld id="{4D7A3868-B581-4D4C-B513-EF6D09283E4D}" type="datetimeFigureOut">
               <a:rPr lang="en-US" smtClean="0"/>
+              <a:pPr/>
               <a:t>12/5/2016</a:t>
             </a:fld>
             <a:endParaRPr lang="en-US"/>
@@ -4053,7 +4074,8 @@
           <a:p>
             <a:fld id="{A7526B98-9ABE-4933-9EF7-1BCA1F598F88}" type="slidenum">
               <a:rPr lang="en-US" smtClean="0"/>
-              <a:t>‹nº›</a:t>
+              <a:pPr/>
+              <a:t>‹#›</a:t>
             </a:fld>
             <a:endParaRPr lang="en-US"/>
           </a:p>
@@ -4062,7 +4084,7 @@
     </p:spTree>
     <p:extLst>
       <p:ext uri="{BB962C8B-B14F-4D97-AF65-F5344CB8AC3E}">
-        <p14:creationId xmlns:p14="http://schemas.microsoft.com/office/powerpoint/2010/main" val="398285719"/>
+        <p14:creationId xmlns:p14="http://schemas.microsoft.com/office/powerpoint/2010/main" xmlns="" val="398285719"/>
       </p:ext>
     </p:extLst>
   </p:cSld>
@@ -4166,7 +4188,7 @@
           <a:ln/>
           <a:extLst>
             <a:ext uri="{91240B29-F687-4F45-9708-019B960494DF}">
-              <a14:hiddenLine xmlns:a14="http://schemas.microsoft.com/office/drawing/2010/main" w="9525">
+              <a14:hiddenLine xmlns:a14="http://schemas.microsoft.com/office/drawing/2010/main" xmlns="" w="9525">
                 <a:solidFill>
                   <a:srgbClr val="000000"/>
                 </a:solidFill>
@@ -4232,6 +4254,7 @@
           <a:p>
             <a:fld id="{4D7A3868-B581-4D4C-B513-EF6D09283E4D}" type="datetimeFigureOut">
               <a:rPr lang="en-US" smtClean="0"/>
+              <a:pPr/>
               <a:t>12/5/2016</a:t>
             </a:fld>
             <a:endParaRPr lang="en-US"/>
@@ -4274,7 +4297,8 @@
           <a:p>
             <a:fld id="{A7526B98-9ABE-4933-9EF7-1BCA1F598F88}" type="slidenum">
               <a:rPr lang="en-US" smtClean="0"/>
-              <a:t>‹nº›</a:t>
+              <a:pPr/>
+              <a:t>‹#›</a:t>
             </a:fld>
             <a:endParaRPr lang="en-US"/>
           </a:p>
@@ -4283,7 +4307,7 @@
     </p:spTree>
     <p:extLst>
       <p:ext uri="{BB962C8B-B14F-4D97-AF65-F5344CB8AC3E}">
-        <p14:creationId xmlns:p14="http://schemas.microsoft.com/office/powerpoint/2010/main" val="547740395"/>
+        <p14:creationId xmlns:p14="http://schemas.microsoft.com/office/powerpoint/2010/main" xmlns="" val="547740395"/>
       </p:ext>
     </p:extLst>
   </p:cSld>
@@ -4327,6 +4351,7 @@
           <a:p>
             <a:fld id="{4D7A3868-B581-4D4C-B513-EF6D09283E4D}" type="datetimeFigureOut">
               <a:rPr lang="en-US" smtClean="0"/>
+              <a:pPr/>
               <a:t>12/5/2016</a:t>
             </a:fld>
             <a:endParaRPr lang="en-US"/>
@@ -4369,7 +4394,8 @@
           <a:p>
             <a:fld id="{A7526B98-9ABE-4933-9EF7-1BCA1F598F88}" type="slidenum">
               <a:rPr lang="en-US" smtClean="0"/>
-              <a:t>‹nº›</a:t>
+              <a:pPr/>
+              <a:t>‹#›</a:t>
             </a:fld>
             <a:endParaRPr lang="en-US"/>
           </a:p>
@@ -4378,7 +4404,7 @@
     </p:spTree>
     <p:extLst>
       <p:ext uri="{BB962C8B-B14F-4D97-AF65-F5344CB8AC3E}">
-        <p14:creationId xmlns:p14="http://schemas.microsoft.com/office/powerpoint/2010/main" val="3839069833"/>
+        <p14:creationId xmlns:p14="http://schemas.microsoft.com/office/powerpoint/2010/main" xmlns="" val="3839069833"/>
       </p:ext>
     </p:extLst>
   </p:cSld>
@@ -4595,7 +4621,7 @@
           <a:ln/>
           <a:extLst>
             <a:ext uri="{91240B29-F687-4F45-9708-019B960494DF}">
-              <a14:hiddenLine xmlns:a14="http://schemas.microsoft.com/office/drawing/2010/main" w="9525">
+              <a14:hiddenLine xmlns:a14="http://schemas.microsoft.com/office/drawing/2010/main" xmlns="" w="9525">
                 <a:solidFill>
                   <a:srgbClr val="000000"/>
                 </a:solidFill>
@@ -4794,6 +4820,7 @@
           <a:p>
             <a:fld id="{4D7A3868-B581-4D4C-B513-EF6D09283E4D}" type="datetimeFigureOut">
               <a:rPr lang="en-US" smtClean="0"/>
+              <a:pPr/>
               <a:t>12/5/2016</a:t>
             </a:fld>
             <a:endParaRPr lang="en-US"/>
@@ -4836,7 +4863,8 @@
           <a:p>
             <a:fld id="{A7526B98-9ABE-4933-9EF7-1BCA1F598F88}" type="slidenum">
               <a:rPr lang="en-US" smtClean="0"/>
-              <a:t>‹nº›</a:t>
+              <a:pPr/>
+              <a:t>‹#›</a:t>
             </a:fld>
             <a:endParaRPr lang="en-US"/>
           </a:p>
@@ -4845,7 +4873,7 @@
     </p:spTree>
     <p:extLst>
       <p:ext uri="{BB962C8B-B14F-4D97-AF65-F5344CB8AC3E}">
-        <p14:creationId xmlns:p14="http://schemas.microsoft.com/office/powerpoint/2010/main" val="146429196"/>
+        <p14:creationId xmlns:p14="http://schemas.microsoft.com/office/powerpoint/2010/main" xmlns="" val="146429196"/>
       </p:ext>
     </p:extLst>
   </p:cSld>
@@ -5107,6 +5135,7 @@
           <a:p>
             <a:fld id="{4D7A3868-B581-4D4C-B513-EF6D09283E4D}" type="datetimeFigureOut">
               <a:rPr lang="en-US" smtClean="0"/>
+              <a:pPr/>
               <a:t>12/5/2016</a:t>
             </a:fld>
             <a:endParaRPr lang="en-US"/>
@@ -5159,7 +5188,8 @@
           <a:p>
             <a:fld id="{A7526B98-9ABE-4933-9EF7-1BCA1F598F88}" type="slidenum">
               <a:rPr lang="en-US" smtClean="0"/>
-              <a:t>‹nº›</a:t>
+              <a:pPr/>
+              <a:t>‹#›</a:t>
             </a:fld>
             <a:endParaRPr lang="en-US"/>
           </a:p>
@@ -5168,7 +5198,7 @@
     </p:spTree>
     <p:extLst>
       <p:ext uri="{BB962C8B-B14F-4D97-AF65-F5344CB8AC3E}">
-        <p14:creationId xmlns:p14="http://schemas.microsoft.com/office/powerpoint/2010/main" val="3819355355"/>
+        <p14:creationId xmlns:p14="http://schemas.microsoft.com/office/powerpoint/2010/main" xmlns="" val="3819355355"/>
       </p:ext>
     </p:extLst>
   </p:cSld>
@@ -5377,6 +5407,7 @@
           <a:p>
             <a:fld id="{4D7A3868-B581-4D4C-B513-EF6D09283E4D}" type="datetimeFigureOut">
               <a:rPr lang="en-US" smtClean="0"/>
+              <a:pPr/>
               <a:t>12/5/2016</a:t>
             </a:fld>
             <a:endParaRPr lang="en-US"/>
@@ -5416,7 +5447,8 @@
           <a:p>
             <a:fld id="{A7526B98-9ABE-4933-9EF7-1BCA1F598F88}" type="slidenum">
               <a:rPr lang="en-US" smtClean="0"/>
-              <a:t>‹nº›</a:t>
+              <a:pPr/>
+              <a:t>‹#›</a:t>
             </a:fld>
             <a:endParaRPr lang="en-US"/>
           </a:p>
@@ -5425,7 +5457,7 @@
     </p:spTree>
     <p:extLst>
       <p:ext uri="{BB962C8B-B14F-4D97-AF65-F5344CB8AC3E}">
-        <p14:creationId xmlns:p14="http://schemas.microsoft.com/office/powerpoint/2010/main" val="697733568"/>
+        <p14:creationId xmlns:p14="http://schemas.microsoft.com/office/powerpoint/2010/main" xmlns="" val="697733568"/>
       </p:ext>
     </p:extLst>
   </p:cSld>
@@ -5851,10 +5883,10 @@
           <p:nvPr/>
         </p:nvPicPr>
         <p:blipFill>
-          <a:blip r:embed="rId2">
+          <a:blip r:embed="rId2" cstate="print">
             <a:extLst>
               <a:ext uri="{28A0092B-C50C-407E-A947-70E740481C1C}">
-                <a14:useLocalDpi xmlns:a14="http://schemas.microsoft.com/office/drawing/2010/main" val="0"/>
+                <a14:useLocalDpi xmlns:a14="http://schemas.microsoft.com/office/drawing/2010/main" xmlns="" val="0"/>
               </a:ext>
             </a:extLst>
           </a:blip>
@@ -5882,7 +5914,7 @@
     </p:spTree>
     <p:extLst>
       <p:ext uri="{BB962C8B-B14F-4D97-AF65-F5344CB8AC3E}">
-        <p14:creationId xmlns:p14="http://schemas.microsoft.com/office/powerpoint/2010/main" val="3926405940"/>
+        <p14:creationId xmlns:p14="http://schemas.microsoft.com/office/powerpoint/2010/main" xmlns="" val="3926405940"/>
       </p:ext>
     </p:extLst>
   </p:cSld>
@@ -5918,10 +5950,10 @@
           <p:nvPr/>
         </p:nvPicPr>
         <p:blipFill>
-          <a:blip r:embed="rId2">
+          <a:blip r:embed="rId2" cstate="print">
             <a:extLst>
               <a:ext uri="{28A0092B-C50C-407E-A947-70E740481C1C}">
-                <a14:useLocalDpi xmlns:a14="http://schemas.microsoft.com/office/drawing/2010/main" val="0"/>
+                <a14:useLocalDpi xmlns:a14="http://schemas.microsoft.com/office/drawing/2010/main" xmlns="" val="0"/>
               </a:ext>
             </a:extLst>
           </a:blip>
@@ -6010,10 +6042,10 @@
           <p:nvPr/>
         </p:nvPicPr>
         <p:blipFill>
-          <a:blip r:embed="rId3">
+          <a:blip r:embed="rId3" cstate="print">
             <a:extLst>
               <a:ext uri="{28A0092B-C50C-407E-A947-70E740481C1C}">
-                <a14:useLocalDpi xmlns:a14="http://schemas.microsoft.com/office/drawing/2010/main" val="0"/>
+                <a14:useLocalDpi xmlns:a14="http://schemas.microsoft.com/office/drawing/2010/main" xmlns="" val="0"/>
               </a:ext>
             </a:extLst>
           </a:blip>
@@ -6047,7 +6079,7 @@
           <p:nvPr/>
         </p:nvPicPr>
         <p:blipFill>
-          <a:blip r:embed="rId4"/>
+          <a:blip r:embed="rId4" cstate="print"/>
           <a:stretch>
             <a:fillRect/>
           </a:stretch>
@@ -6065,7 +6097,7 @@
     </p:spTree>
     <p:extLst>
       <p:ext uri="{BB962C8B-B14F-4D97-AF65-F5344CB8AC3E}">
-        <p14:creationId xmlns:p14="http://schemas.microsoft.com/office/powerpoint/2010/main" val="981626557"/>
+        <p14:creationId xmlns:p14="http://schemas.microsoft.com/office/powerpoint/2010/main" xmlns="" val="981626557"/>
       </p:ext>
     </p:extLst>
   </p:cSld>
@@ -6101,10 +6133,10 @@
           <p:nvPr/>
         </p:nvPicPr>
         <p:blipFill>
-          <a:blip r:embed="rId2">
+          <a:blip r:embed="rId2" cstate="print">
             <a:extLst>
               <a:ext uri="{28A0092B-C50C-407E-A947-70E740481C1C}">
-                <a14:useLocalDpi xmlns:a14="http://schemas.microsoft.com/office/drawing/2010/main" val="0"/>
+                <a14:useLocalDpi xmlns:a14="http://schemas.microsoft.com/office/drawing/2010/main" xmlns="" val="0"/>
               </a:ext>
             </a:extLst>
           </a:blip>
@@ -6368,7 +6400,7 @@
     </p:spTree>
     <p:extLst>
       <p:ext uri="{BB962C8B-B14F-4D97-AF65-F5344CB8AC3E}">
-        <p14:creationId xmlns:p14="http://schemas.microsoft.com/office/powerpoint/2010/main" val="3277242067"/>
+        <p14:creationId xmlns:p14="http://schemas.microsoft.com/office/powerpoint/2010/main" xmlns="" val="3277242067"/>
       </p:ext>
     </p:extLst>
   </p:cSld>
@@ -6404,10 +6436,10 @@
           <p:nvPr/>
         </p:nvPicPr>
         <p:blipFill>
-          <a:blip r:embed="rId2">
+          <a:blip r:embed="rId2" cstate="print">
             <a:extLst>
               <a:ext uri="{28A0092B-C50C-407E-A947-70E740481C1C}">
-                <a14:useLocalDpi xmlns:a14="http://schemas.microsoft.com/office/drawing/2010/main" val="0"/>
+                <a14:useLocalDpi xmlns:a14="http://schemas.microsoft.com/office/drawing/2010/main" xmlns="" val="0"/>
               </a:ext>
             </a:extLst>
           </a:blip>
@@ -6681,7 +6713,7 @@
     </p:spTree>
     <p:extLst>
       <p:ext uri="{BB962C8B-B14F-4D97-AF65-F5344CB8AC3E}">
-        <p14:creationId xmlns:p14="http://schemas.microsoft.com/office/powerpoint/2010/main" val="3707777725"/>
+        <p14:creationId xmlns:p14="http://schemas.microsoft.com/office/powerpoint/2010/main" xmlns="" val="3707777725"/>
       </p:ext>
     </p:extLst>
   </p:cSld>
@@ -6717,10 +6749,10 @@
           <p:nvPr/>
         </p:nvPicPr>
         <p:blipFill>
-          <a:blip r:embed="rId2">
+          <a:blip r:embed="rId2" cstate="print">
             <a:extLst>
               <a:ext uri="{28A0092B-C50C-407E-A947-70E740481C1C}">
-                <a14:useLocalDpi xmlns:a14="http://schemas.microsoft.com/office/drawing/2010/main" val="0"/>
+                <a14:useLocalDpi xmlns:a14="http://schemas.microsoft.com/office/drawing/2010/main" xmlns="" val="0"/>
               </a:ext>
             </a:extLst>
           </a:blip>
@@ -6800,7 +6832,7 @@
     </p:spTree>
     <p:extLst>
       <p:ext uri="{BB962C8B-B14F-4D97-AF65-F5344CB8AC3E}">
-        <p14:creationId xmlns:p14="http://schemas.microsoft.com/office/powerpoint/2010/main" val="599346893"/>
+        <p14:creationId xmlns:p14="http://schemas.microsoft.com/office/powerpoint/2010/main" xmlns="" val="599346893"/>
       </p:ext>
     </p:extLst>
   </p:cSld>
@@ -6836,10 +6868,10 @@
           <p:nvPr/>
         </p:nvPicPr>
         <p:blipFill>
-          <a:blip r:embed="rId2">
+          <a:blip r:embed="rId2" cstate="print">
             <a:extLst>
               <a:ext uri="{28A0092B-C50C-407E-A947-70E740481C1C}">
-                <a14:useLocalDpi xmlns:a14="http://schemas.microsoft.com/office/drawing/2010/main" val="0"/>
+                <a14:useLocalDpi xmlns:a14="http://schemas.microsoft.com/office/drawing/2010/main" xmlns="" val="0"/>
               </a:ext>
             </a:extLst>
           </a:blip>
@@ -6919,7 +6951,7 @@
     </p:spTree>
     <p:extLst>
       <p:ext uri="{BB962C8B-B14F-4D97-AF65-F5344CB8AC3E}">
-        <p14:creationId xmlns:p14="http://schemas.microsoft.com/office/powerpoint/2010/main" val="2347472151"/>
+        <p14:creationId xmlns:p14="http://schemas.microsoft.com/office/powerpoint/2010/main" xmlns="" val="2347472151"/>
       </p:ext>
     </p:extLst>
   </p:cSld>
@@ -6955,10 +6987,10 @@
           <p:nvPr/>
         </p:nvPicPr>
         <p:blipFill>
-          <a:blip r:embed="rId2">
+          <a:blip r:embed="rId2" cstate="print">
             <a:extLst>
               <a:ext uri="{28A0092B-C50C-407E-A947-70E740481C1C}">
-                <a14:useLocalDpi xmlns:a14="http://schemas.microsoft.com/office/drawing/2010/main" val="0"/>
+                <a14:useLocalDpi xmlns:a14="http://schemas.microsoft.com/office/drawing/2010/main" xmlns="" val="0"/>
               </a:ext>
             </a:extLst>
           </a:blip>
@@ -7038,7 +7070,7 @@
     </p:spTree>
     <p:extLst>
       <p:ext uri="{BB962C8B-B14F-4D97-AF65-F5344CB8AC3E}">
-        <p14:creationId xmlns:p14="http://schemas.microsoft.com/office/powerpoint/2010/main" val="4145374999"/>
+        <p14:creationId xmlns:p14="http://schemas.microsoft.com/office/powerpoint/2010/main" xmlns="" val="4145374999"/>
       </p:ext>
     </p:extLst>
   </p:cSld>
@@ -7074,10 +7106,10 @@
           <p:nvPr/>
         </p:nvPicPr>
         <p:blipFill>
-          <a:blip r:embed="rId2">
+          <a:blip r:embed="rId2" cstate="print">
             <a:extLst>
               <a:ext uri="{28A0092B-C50C-407E-A947-70E740481C1C}">
-                <a14:useLocalDpi xmlns:a14="http://schemas.microsoft.com/office/drawing/2010/main" val="0"/>
+                <a14:useLocalDpi xmlns:a14="http://schemas.microsoft.com/office/drawing/2010/main" xmlns="" val="0"/>
               </a:ext>
             </a:extLst>
           </a:blip>
@@ -7157,7 +7189,7 @@
     </p:spTree>
     <p:extLst>
       <p:ext uri="{BB962C8B-B14F-4D97-AF65-F5344CB8AC3E}">
-        <p14:creationId xmlns:p14="http://schemas.microsoft.com/office/powerpoint/2010/main" val="3367729544"/>
+        <p14:creationId xmlns:p14="http://schemas.microsoft.com/office/powerpoint/2010/main" xmlns="" val="3367729544"/>
       </p:ext>
     </p:extLst>
   </p:cSld>
@@ -7193,10 +7225,10 @@
           <p:nvPr/>
         </p:nvPicPr>
         <p:blipFill>
-          <a:blip r:embed="rId2">
+          <a:blip r:embed="rId2" cstate="print">
             <a:extLst>
               <a:ext uri="{28A0092B-C50C-407E-A947-70E740481C1C}">
-                <a14:useLocalDpi xmlns:a14="http://schemas.microsoft.com/office/drawing/2010/main" val="0"/>
+                <a14:useLocalDpi xmlns:a14="http://schemas.microsoft.com/office/drawing/2010/main" xmlns="" val="0"/>
               </a:ext>
             </a:extLst>
           </a:blip>
@@ -7276,7 +7308,7 @@
     </p:spTree>
     <p:extLst>
       <p:ext uri="{BB962C8B-B14F-4D97-AF65-F5344CB8AC3E}">
-        <p14:creationId xmlns:p14="http://schemas.microsoft.com/office/powerpoint/2010/main" val="2745562826"/>
+        <p14:creationId xmlns:p14="http://schemas.microsoft.com/office/powerpoint/2010/main" xmlns="" val="2745562826"/>
       </p:ext>
     </p:extLst>
   </p:cSld>
@@ -7312,10 +7344,10 @@
           <p:nvPr/>
         </p:nvPicPr>
         <p:blipFill>
-          <a:blip r:embed="rId2">
+          <a:blip r:embed="rId2" cstate="print">
             <a:extLst>
               <a:ext uri="{28A0092B-C50C-407E-A947-70E740481C1C}">
-                <a14:useLocalDpi xmlns:a14="http://schemas.microsoft.com/office/drawing/2010/main" val="0"/>
+                <a14:useLocalDpi xmlns:a14="http://schemas.microsoft.com/office/drawing/2010/main" xmlns="" val="0"/>
               </a:ext>
             </a:extLst>
           </a:blip>
@@ -7395,7 +7427,7 @@
     </p:spTree>
     <p:extLst>
       <p:ext uri="{BB962C8B-B14F-4D97-AF65-F5344CB8AC3E}">
-        <p14:creationId xmlns:p14="http://schemas.microsoft.com/office/powerpoint/2010/main" val="1757010640"/>
+        <p14:creationId xmlns:p14="http://schemas.microsoft.com/office/powerpoint/2010/main" xmlns="" val="1757010640"/>
       </p:ext>
     </p:extLst>
   </p:cSld>
@@ -7431,10 +7463,10 @@
           <p:nvPr/>
         </p:nvPicPr>
         <p:blipFill>
-          <a:blip r:embed="rId2">
+          <a:blip r:embed="rId2" cstate="print">
             <a:extLst>
               <a:ext uri="{28A0092B-C50C-407E-A947-70E740481C1C}">
-                <a14:useLocalDpi xmlns:a14="http://schemas.microsoft.com/office/drawing/2010/main" val="0"/>
+                <a14:useLocalDpi xmlns:a14="http://schemas.microsoft.com/office/drawing/2010/main" xmlns="" val="0"/>
               </a:ext>
             </a:extLst>
           </a:blip>
@@ -7517,7 +7549,7 @@
     </p:spTree>
     <p:extLst>
       <p:ext uri="{BB962C8B-B14F-4D97-AF65-F5344CB8AC3E}">
-        <p14:creationId xmlns:p14="http://schemas.microsoft.com/office/powerpoint/2010/main" val="584980694"/>
+        <p14:creationId xmlns:p14="http://schemas.microsoft.com/office/powerpoint/2010/main" xmlns="" val="584980694"/>
       </p:ext>
     </p:extLst>
   </p:cSld>
@@ -7553,10 +7585,10 @@
           <p:nvPr/>
         </p:nvPicPr>
         <p:blipFill>
-          <a:blip r:embed="rId2">
+          <a:blip r:embed="rId2" cstate="print">
             <a:extLst>
               <a:ext uri="{28A0092B-C50C-407E-A947-70E740481C1C}">
-                <a14:useLocalDpi xmlns:a14="http://schemas.microsoft.com/office/drawing/2010/main" val="0"/>
+                <a14:useLocalDpi xmlns:a14="http://schemas.microsoft.com/office/drawing/2010/main" xmlns="" val="0"/>
               </a:ext>
             </a:extLst>
           </a:blip>
@@ -7737,7 +7769,7 @@
     </p:spTree>
     <p:extLst>
       <p:ext uri="{BB962C8B-B14F-4D97-AF65-F5344CB8AC3E}">
-        <p14:creationId xmlns:p14="http://schemas.microsoft.com/office/powerpoint/2010/main" val="1628683198"/>
+        <p14:creationId xmlns:p14="http://schemas.microsoft.com/office/powerpoint/2010/main" xmlns="" val="1628683198"/>
       </p:ext>
     </p:extLst>
   </p:cSld>
@@ -7773,10 +7805,10 @@
           <p:nvPr/>
         </p:nvPicPr>
         <p:blipFill>
-          <a:blip r:embed="rId2">
+          <a:blip r:embed="rId2" cstate="print">
             <a:extLst>
               <a:ext uri="{28A0092B-C50C-407E-A947-70E740481C1C}">
-                <a14:useLocalDpi xmlns:a14="http://schemas.microsoft.com/office/drawing/2010/main" val="0"/>
+                <a14:useLocalDpi xmlns:a14="http://schemas.microsoft.com/office/drawing/2010/main" xmlns="" val="0"/>
               </a:ext>
             </a:extLst>
           </a:blip>
@@ -7972,7 +8004,7 @@
     </p:spTree>
     <p:extLst>
       <p:ext uri="{BB962C8B-B14F-4D97-AF65-F5344CB8AC3E}">
-        <p14:creationId xmlns:p14="http://schemas.microsoft.com/office/powerpoint/2010/main" val="212900234"/>
+        <p14:creationId xmlns:p14="http://schemas.microsoft.com/office/powerpoint/2010/main" xmlns="" val="212900234"/>
       </p:ext>
     </p:extLst>
   </p:cSld>
@@ -8008,10 +8040,10 @@
           <p:nvPr/>
         </p:nvPicPr>
         <p:blipFill>
-          <a:blip r:embed="rId2">
+          <a:blip r:embed="rId2" cstate="print">
             <a:extLst>
               <a:ext uri="{28A0092B-C50C-407E-A947-70E740481C1C}">
-                <a14:useLocalDpi xmlns:a14="http://schemas.microsoft.com/office/drawing/2010/main" val="0"/>
+                <a14:useLocalDpi xmlns:a14="http://schemas.microsoft.com/office/drawing/2010/main" xmlns="" val="0"/>
               </a:ext>
             </a:extLst>
           </a:blip>
@@ -8237,7 +8269,7 @@
     </p:spTree>
     <p:extLst>
       <p:ext uri="{BB962C8B-B14F-4D97-AF65-F5344CB8AC3E}">
-        <p14:creationId xmlns:p14="http://schemas.microsoft.com/office/powerpoint/2010/main" val="2646860345"/>
+        <p14:creationId xmlns:p14="http://schemas.microsoft.com/office/powerpoint/2010/main" xmlns="" val="2646860345"/>
       </p:ext>
     </p:extLst>
   </p:cSld>
@@ -8273,10 +8305,10 @@
           <p:nvPr/>
         </p:nvPicPr>
         <p:blipFill>
-          <a:blip r:embed="rId2">
+          <a:blip r:embed="rId2" cstate="print">
             <a:extLst>
               <a:ext uri="{28A0092B-C50C-407E-A947-70E740481C1C}">
-                <a14:useLocalDpi xmlns:a14="http://schemas.microsoft.com/office/drawing/2010/main" val="0"/>
+                <a14:useLocalDpi xmlns:a14="http://schemas.microsoft.com/office/drawing/2010/main" xmlns="" val="0"/>
               </a:ext>
             </a:extLst>
           </a:blip>
@@ -8522,7 +8554,7 @@
     </p:spTree>
     <p:extLst>
       <p:ext uri="{BB962C8B-B14F-4D97-AF65-F5344CB8AC3E}">
-        <p14:creationId xmlns:p14="http://schemas.microsoft.com/office/powerpoint/2010/main" val="1460010222"/>
+        <p14:creationId xmlns:p14="http://schemas.microsoft.com/office/powerpoint/2010/main" xmlns="" val="1460010222"/>
       </p:ext>
     </p:extLst>
   </p:cSld>
@@ -8558,10 +8590,10 @@
           <p:nvPr/>
         </p:nvPicPr>
         <p:blipFill>
-          <a:blip r:embed="rId2">
+          <a:blip r:embed="rId2" cstate="print">
             <a:extLst>
               <a:ext uri="{28A0092B-C50C-407E-A947-70E740481C1C}">
-                <a14:useLocalDpi xmlns:a14="http://schemas.microsoft.com/office/drawing/2010/main" val="0"/>
+                <a14:useLocalDpi xmlns:a14="http://schemas.microsoft.com/office/drawing/2010/main" xmlns="" val="0"/>
               </a:ext>
             </a:extLst>
           </a:blip>
@@ -8760,7 +8792,7 @@
     </p:spTree>
     <p:extLst>
       <p:ext uri="{BB962C8B-B14F-4D97-AF65-F5344CB8AC3E}">
-        <p14:creationId xmlns:p14="http://schemas.microsoft.com/office/powerpoint/2010/main" val="3615220578"/>
+        <p14:creationId xmlns:p14="http://schemas.microsoft.com/office/powerpoint/2010/main" xmlns="" val="3615220578"/>
       </p:ext>
     </p:extLst>
   </p:cSld>
@@ -8796,10 +8828,10 @@
           <p:nvPr/>
         </p:nvPicPr>
         <p:blipFill>
-          <a:blip r:embed="rId2">
+          <a:blip r:embed="rId2" cstate="print">
             <a:extLst>
               <a:ext uri="{28A0092B-C50C-407E-A947-70E740481C1C}">
-                <a14:useLocalDpi xmlns:a14="http://schemas.microsoft.com/office/drawing/2010/main" val="0"/>
+                <a14:useLocalDpi xmlns:a14="http://schemas.microsoft.com/office/drawing/2010/main" xmlns="" val="0"/>
               </a:ext>
             </a:extLst>
           </a:blip>
@@ -8970,7 +9002,7 @@
     </p:spTree>
     <p:extLst>
       <p:ext uri="{BB962C8B-B14F-4D97-AF65-F5344CB8AC3E}">
-        <p14:creationId xmlns:p14="http://schemas.microsoft.com/office/powerpoint/2010/main" val="3723371619"/>
+        <p14:creationId xmlns:p14="http://schemas.microsoft.com/office/powerpoint/2010/main" xmlns="" val="3723371619"/>
       </p:ext>
     </p:extLst>
   </p:cSld>
@@ -9006,10 +9038,10 @@
           <p:nvPr/>
         </p:nvPicPr>
         <p:blipFill>
-          <a:blip r:embed="rId2">
+          <a:blip r:embed="rId2" cstate="print">
             <a:extLst>
               <a:ext uri="{28A0092B-C50C-407E-A947-70E740481C1C}">
-                <a14:useLocalDpi xmlns:a14="http://schemas.microsoft.com/office/drawing/2010/main" val="0"/>
+                <a14:useLocalDpi xmlns:a14="http://schemas.microsoft.com/office/drawing/2010/main" xmlns="" val="0"/>
               </a:ext>
             </a:extLst>
           </a:blip>
@@ -9872,7 +9904,7 @@
     </p:spTree>
     <p:extLst>
       <p:ext uri="{BB962C8B-B14F-4D97-AF65-F5344CB8AC3E}">
-        <p14:creationId xmlns:p14="http://schemas.microsoft.com/office/powerpoint/2010/main" val="307841813"/>
+        <p14:creationId xmlns:p14="http://schemas.microsoft.com/office/powerpoint/2010/main" xmlns="" val="307841813"/>
       </p:ext>
     </p:extLst>
   </p:cSld>
@@ -9908,10 +9940,10 @@
           <p:nvPr/>
         </p:nvPicPr>
         <p:blipFill>
-          <a:blip r:embed="rId2">
+          <a:blip r:embed="rId2" cstate="print">
             <a:extLst>
               <a:ext uri="{28A0092B-C50C-407E-A947-70E740481C1C}">
-                <a14:useLocalDpi xmlns:a14="http://schemas.microsoft.com/office/drawing/2010/main" val="0"/>
+                <a14:useLocalDpi xmlns:a14="http://schemas.microsoft.com/office/drawing/2010/main" xmlns="" val="0"/>
               </a:ext>
             </a:extLst>
           </a:blip>
@@ -10184,7 +10216,7 @@
     </p:spTree>
     <p:extLst>
       <p:ext uri="{BB962C8B-B14F-4D97-AF65-F5344CB8AC3E}">
-        <p14:creationId xmlns:p14="http://schemas.microsoft.com/office/powerpoint/2010/main" val="347180696"/>
+        <p14:creationId xmlns:p14="http://schemas.microsoft.com/office/powerpoint/2010/main" xmlns="" val="347180696"/>
       </p:ext>
     </p:extLst>
   </p:cSld>
@@ -10220,10 +10252,10 @@
           <p:nvPr/>
         </p:nvPicPr>
         <p:blipFill>
-          <a:blip r:embed="rId2">
+          <a:blip r:embed="rId2" cstate="print">
             <a:extLst>
               <a:ext uri="{28A0092B-C50C-407E-A947-70E740481C1C}">
-                <a14:useLocalDpi xmlns:a14="http://schemas.microsoft.com/office/drawing/2010/main" val="0"/>
+                <a14:useLocalDpi xmlns:a14="http://schemas.microsoft.com/office/drawing/2010/main" xmlns="" val="0"/>
               </a:ext>
             </a:extLst>
           </a:blip>
@@ -10417,7 +10449,7 @@
     </p:spTree>
     <p:extLst>
       <p:ext uri="{BB962C8B-B14F-4D97-AF65-F5344CB8AC3E}">
-        <p14:creationId xmlns:p14="http://schemas.microsoft.com/office/powerpoint/2010/main" val="1048275656"/>
+        <p14:creationId xmlns:p14="http://schemas.microsoft.com/office/powerpoint/2010/main" xmlns="" val="1048275656"/>
       </p:ext>
     </p:extLst>
   </p:cSld>
@@ -10453,10 +10485,10 @@
           <p:nvPr/>
         </p:nvPicPr>
         <p:blipFill>
-          <a:blip r:embed="rId2">
+          <a:blip r:embed="rId2" cstate="print">
             <a:extLst>
               <a:ext uri="{28A0092B-C50C-407E-A947-70E740481C1C}">
-                <a14:useLocalDpi xmlns:a14="http://schemas.microsoft.com/office/drawing/2010/main" val="0"/>
+                <a14:useLocalDpi xmlns:a14="http://schemas.microsoft.com/office/drawing/2010/main" xmlns="" val="0"/>
               </a:ext>
             </a:extLst>
           </a:blip>
@@ -10535,7 +10567,7 @@
     </p:spTree>
     <p:extLst>
       <p:ext uri="{BB962C8B-B14F-4D97-AF65-F5344CB8AC3E}">
-        <p14:creationId xmlns:p14="http://schemas.microsoft.com/office/powerpoint/2010/main" val="3865905242"/>
+        <p14:creationId xmlns:p14="http://schemas.microsoft.com/office/powerpoint/2010/main" xmlns="" val="3865905242"/>
       </p:ext>
     </p:extLst>
   </p:cSld>
@@ -10571,10 +10603,10 @@
           <p:nvPr/>
         </p:nvPicPr>
         <p:blipFill>
-          <a:blip r:embed="rId2">
+          <a:blip r:embed="rId2" cstate="print">
             <a:extLst>
               <a:ext uri="{28A0092B-C50C-407E-A947-70E740481C1C}">
-                <a14:useLocalDpi xmlns:a14="http://schemas.microsoft.com/office/drawing/2010/main" val="0"/>
+                <a14:useLocalDpi xmlns:a14="http://schemas.microsoft.com/office/drawing/2010/main" xmlns="" val="0"/>
               </a:ext>
             </a:extLst>
           </a:blip>
@@ -10630,7 +10662,7 @@
         <p:spPr>
           <a:xfrm>
             <a:off x="278295" y="1388978"/>
-            <a:ext cx="8534401" cy="3477875"/>
+            <a:ext cx="8534401" cy="3170099"/>
           </a:xfrm>
           <a:prstGeom prst="rect">
             <a:avLst/>
@@ -10776,12 +10808,16 @@
               <a:t> </a:t>
             </a:r>
             <a:r>
-              <a:rPr lang="en-US" sz="2000" dirty="0" err="1"/>
-              <a:t>dinâmica</a:t>
+              <a:rPr lang="en-US" sz="2000" dirty="0" err="1" smtClean="0"/>
+              <a:t>recursiva</a:t>
+            </a:r>
+            <a:r>
+              <a:rPr lang="en-US" sz="2000" dirty="0" smtClean="0"/>
+              <a:t>, </a:t>
             </a:r>
             <a:r>
               <a:rPr lang="en-US" sz="2000" dirty="0"/>
-              <a:t>, o </a:t>
+              <a:t>o </a:t>
             </a:r>
             <a:r>
               <a:rPr lang="en-US" sz="2000" dirty="0" err="1"/>
@@ -10797,6 +10833,82 @@
             </a:r>
             <a:r>
               <a:rPr lang="en-US" sz="2000" dirty="0"/>
+              <a:t> </a:t>
+            </a:r>
+            <a:r>
+              <a:rPr lang="en-US" sz="2000" dirty="0" err="1" smtClean="0"/>
+              <a:t>uma</a:t>
+            </a:r>
+            <a:r>
+              <a:rPr lang="en-US" sz="2000" dirty="0" smtClean="0"/>
+              <a:t> </a:t>
+            </a:r>
+            <a:r>
+              <a:rPr lang="en-US" sz="2000" dirty="0" err="1" smtClean="0"/>
+              <a:t>àrvore</a:t>
+            </a:r>
+            <a:r>
+              <a:rPr lang="en-US" sz="2000" dirty="0" smtClean="0"/>
+              <a:t> </a:t>
+            </a:r>
+            <a:r>
+              <a:rPr lang="en-US" sz="2000" dirty="0" smtClean="0"/>
+              <a:t>de </a:t>
+            </a:r>
+            <a:r>
+              <a:rPr lang="en-US" sz="2000" dirty="0" err="1"/>
+              <a:t>disciplinas</a:t>
+            </a:r>
+            <a:r>
+              <a:rPr lang="en-US" sz="2000" dirty="0"/>
+              <a:t> a </a:t>
+            </a:r>
+            <a:r>
+              <a:rPr lang="en-US" sz="2000" dirty="0" err="1"/>
+              <a:t>serem</a:t>
+            </a:r>
+            <a:r>
+              <a:rPr lang="en-US" sz="2000" dirty="0"/>
+              <a:t> </a:t>
+            </a:r>
+            <a:r>
+              <a:rPr lang="en-US" sz="2000" dirty="0" err="1"/>
+              <a:t>cursadas</a:t>
+            </a:r>
+            <a:r>
+              <a:rPr lang="en-US" sz="2000" dirty="0"/>
+              <a:t> e </a:t>
+            </a:r>
+            <a:r>
+              <a:rPr lang="en-US" sz="2000" dirty="0" err="1"/>
+              <a:t>seus</a:t>
+            </a:r>
+            <a:r>
+              <a:rPr lang="en-US" sz="2000" dirty="0"/>
+              <a:t> </a:t>
+            </a:r>
+            <a:r>
+              <a:rPr lang="en-US" sz="2000" dirty="0" err="1"/>
+              <a:t>requisitos</a:t>
+            </a:r>
+            <a:r>
+              <a:rPr lang="en-US" sz="2000" dirty="0"/>
+              <a:t> </a:t>
+            </a:r>
+            <a:r>
+              <a:rPr lang="en-US" sz="2000" dirty="0" err="1"/>
+              <a:t>sempre</a:t>
+            </a:r>
+            <a:r>
+              <a:rPr lang="en-US" sz="2000" dirty="0"/>
+              <a:t> </a:t>
+            </a:r>
+            <a:r>
+              <a:rPr lang="en-US" sz="2000" dirty="0" err="1"/>
+              <a:t>escolhendo</a:t>
+            </a:r>
+            <a:r>
+              <a:rPr lang="en-US" sz="2000" dirty="0"/>
               <a:t> o </a:t>
             </a:r>
             <a:r>
@@ -10805,87 +10917,19 @@
             </a:r>
             <a:r>
               <a:rPr lang="en-US" sz="2000" dirty="0"/>
-              <a:t> de </a:t>
-            </a:r>
-            <a:r>
-              <a:rPr lang="en-US" sz="2000" dirty="0" err="1"/>
-              <a:t>disciplinas</a:t>
+              <a:t> </a:t>
+            </a:r>
+            <a:r>
+              <a:rPr lang="en-US" sz="2000" dirty="0" err="1" smtClean="0"/>
+              <a:t>ótimo</a:t>
+            </a:r>
+            <a:r>
+              <a:rPr lang="en-US" sz="2000" dirty="0" smtClean="0"/>
+              <a:t> </a:t>
             </a:r>
             <a:r>
               <a:rPr lang="en-US" sz="2000" dirty="0"/>
-              <a:t> a </a:t>
-            </a:r>
-            <a:r>
-              <a:rPr lang="en-US" sz="2000" dirty="0" err="1"/>
-              <a:t>serem</a:t>
-            </a:r>
-            <a:r>
-              <a:rPr lang="en-US" sz="2000" dirty="0"/>
-              <a:t> </a:t>
-            </a:r>
-            <a:r>
-              <a:rPr lang="en-US" sz="2000" dirty="0" err="1"/>
-              <a:t>cursadas</a:t>
-            </a:r>
-            <a:r>
-              <a:rPr lang="en-US" sz="2000" dirty="0"/>
-              <a:t> e </a:t>
-            </a:r>
-            <a:r>
-              <a:rPr lang="en-US" sz="2000" dirty="0" err="1"/>
-              <a:t>seus</a:t>
-            </a:r>
-            <a:r>
-              <a:rPr lang="en-US" sz="2000" dirty="0"/>
-              <a:t> </a:t>
-            </a:r>
-            <a:r>
-              <a:rPr lang="en-US" sz="2000" dirty="0" err="1"/>
-              <a:t>requisitos</a:t>
-            </a:r>
-            <a:r>
-              <a:rPr lang="en-US" sz="2000" dirty="0"/>
-              <a:t> </a:t>
-            </a:r>
-            <a:r>
-              <a:rPr lang="en-US" sz="2000" dirty="0" err="1"/>
-              <a:t>sempre</a:t>
-            </a:r>
-            <a:r>
-              <a:rPr lang="en-US" sz="2000" dirty="0"/>
-              <a:t> </a:t>
-            </a:r>
-            <a:r>
-              <a:rPr lang="en-US" sz="2000" dirty="0" err="1"/>
-              <a:t>escolhendo</a:t>
-            </a:r>
-            <a:r>
-              <a:rPr lang="en-US" sz="2000" dirty="0"/>
-              <a:t> o </a:t>
-            </a:r>
-            <a:r>
-              <a:rPr lang="en-US" sz="2000" dirty="0" err="1"/>
-              <a:t>caminho</a:t>
-            </a:r>
-            <a:r>
-              <a:rPr lang="en-US" sz="2000" dirty="0"/>
-              <a:t> </a:t>
-            </a:r>
-            <a:r>
-              <a:rPr lang="en-US" sz="2000" dirty="0" err="1"/>
-              <a:t>aparentemente</a:t>
-            </a:r>
-            <a:r>
-              <a:rPr lang="en-US" sz="2000" dirty="0"/>
-              <a:t> </a:t>
-            </a:r>
-            <a:r>
-              <a:rPr lang="en-US" sz="2000" dirty="0" err="1"/>
-              <a:t>ótimo</a:t>
-            </a:r>
-            <a:r>
-              <a:rPr lang="en-US" sz="2000" dirty="0"/>
-              <a:t> de </a:t>
+              <a:t>de </a:t>
             </a:r>
             <a:r>
               <a:rPr lang="en-US" sz="2000" dirty="0" err="1"/>
@@ -10950,7 +10994,7 @@
     </p:spTree>
     <p:extLst>
       <p:ext uri="{BB962C8B-B14F-4D97-AF65-F5344CB8AC3E}">
-        <p14:creationId xmlns:p14="http://schemas.microsoft.com/office/powerpoint/2010/main" val="4143072712"/>
+        <p14:creationId xmlns:p14="http://schemas.microsoft.com/office/powerpoint/2010/main" xmlns="" val="4143072712"/>
       </p:ext>
     </p:extLst>
   </p:cSld>
@@ -10986,10 +11030,10 @@
           <p:nvPr/>
         </p:nvPicPr>
         <p:blipFill>
-          <a:blip r:embed="rId2">
+          <a:blip r:embed="rId2" cstate="print">
             <a:extLst>
               <a:ext uri="{28A0092B-C50C-407E-A947-70E740481C1C}">
-                <a14:useLocalDpi xmlns:a14="http://schemas.microsoft.com/office/drawing/2010/main" val="0"/>
+                <a14:useLocalDpi xmlns:a14="http://schemas.microsoft.com/office/drawing/2010/main" xmlns="" val="0"/>
               </a:ext>
             </a:extLst>
           </a:blip>
@@ -11044,7 +11088,7 @@
     </p:spTree>
     <p:extLst>
       <p:ext uri="{BB962C8B-B14F-4D97-AF65-F5344CB8AC3E}">
-        <p14:creationId xmlns:p14="http://schemas.microsoft.com/office/powerpoint/2010/main" val="1650611208"/>
+        <p14:creationId xmlns:p14="http://schemas.microsoft.com/office/powerpoint/2010/main" xmlns="" val="1650611208"/>
       </p:ext>
     </p:extLst>
   </p:cSld>
@@ -11080,10 +11124,10 @@
           <p:nvPr/>
         </p:nvPicPr>
         <p:blipFill>
-          <a:blip r:embed="rId2">
+          <a:blip r:embed="rId2" cstate="print">
             <a:extLst>
               <a:ext uri="{28A0092B-C50C-407E-A947-70E740481C1C}">
-                <a14:useLocalDpi xmlns:a14="http://schemas.microsoft.com/office/drawing/2010/main" val="0"/>
+                <a14:useLocalDpi xmlns:a14="http://schemas.microsoft.com/office/drawing/2010/main" xmlns="" val="0"/>
               </a:ext>
             </a:extLst>
           </a:blip>
@@ -11139,7 +11183,7 @@
         <p:spPr>
           <a:xfrm>
             <a:off x="278295" y="1388978"/>
-            <a:ext cx="8534401" cy="3785652"/>
+            <a:ext cx="8534401" cy="4093428"/>
           </a:xfrm>
           <a:prstGeom prst="rect">
             <a:avLst/>
@@ -11403,28 +11447,44 @@
               <a:t>-lo </a:t>
             </a:r>
             <a:r>
-              <a:rPr lang="en-US" sz="2000" dirty="0" err="1"/>
-              <a:t>em</a:t>
+              <a:rPr lang="en-US" sz="2000" dirty="0" smtClean="0"/>
+              <a:t>de forma a </a:t>
+            </a:r>
+            <a:r>
+              <a:rPr lang="en-US" sz="2000" dirty="0" err="1" smtClean="0"/>
+              <a:t>não</a:t>
+            </a:r>
+            <a:r>
+              <a:rPr lang="en-US" sz="2000" dirty="0" smtClean="0"/>
+              <a:t> </a:t>
+            </a:r>
+            <a:r>
+              <a:rPr lang="en-US" sz="2000" dirty="0" err="1" smtClean="0"/>
+              <a:t>ter</a:t>
+            </a:r>
+            <a:r>
+              <a:rPr lang="en-US" sz="2000" dirty="0" smtClean="0"/>
+              <a:t> </a:t>
+            </a:r>
+            <a:r>
+              <a:rPr lang="en-US" sz="2000" dirty="0" err="1" smtClean="0"/>
+              <a:t>colisões</a:t>
+            </a:r>
+            <a:r>
+              <a:rPr lang="en-US" sz="2000" dirty="0" smtClean="0"/>
+              <a:t> de </a:t>
+            </a:r>
+            <a:r>
+              <a:rPr lang="en-US" sz="2000" dirty="0" err="1" smtClean="0"/>
+              <a:t>horário</a:t>
+            </a:r>
+            <a:r>
+              <a:rPr lang="en-US" sz="2000" dirty="0" smtClean="0"/>
+              <a:t> </a:t>
             </a:r>
             <a:r>
               <a:rPr lang="en-US" sz="2000" dirty="0"/>
-              <a:t> um </a:t>
-            </a:r>
-            <a:r>
-              <a:rPr lang="en-US" sz="2000" dirty="0" err="1"/>
-              <a:t>vetor</a:t>
-            </a:r>
-            <a:r>
-              <a:rPr lang="en-US" sz="2000" dirty="0"/>
-              <a:t> para a </a:t>
-            </a:r>
-            <a:r>
-              <a:rPr lang="en-US" sz="2000" dirty="0" err="1"/>
-              <a:t>ser</a:t>
-            </a:r>
-            <a:r>
-              <a:rPr lang="en-US" sz="2000" dirty="0"/>
-              <a:t> </a:t>
+              <a:t>para a ser </a:t>
             </a:r>
             <a:r>
               <a:rPr lang="en-US" sz="2000" dirty="0" err="1"/>
@@ -11524,7 +11584,7 @@
     </p:spTree>
     <p:extLst>
       <p:ext uri="{BB962C8B-B14F-4D97-AF65-F5344CB8AC3E}">
-        <p14:creationId xmlns:p14="http://schemas.microsoft.com/office/powerpoint/2010/main" val="1845650424"/>
+        <p14:creationId xmlns:p14="http://schemas.microsoft.com/office/powerpoint/2010/main" xmlns="" val="1845650424"/>
       </p:ext>
     </p:extLst>
   </p:cSld>
@@ -11560,10 +11620,10 @@
           <p:nvPr/>
         </p:nvPicPr>
         <p:blipFill>
-          <a:blip r:embed="rId2">
+          <a:blip r:embed="rId2" cstate="print">
             <a:extLst>
               <a:ext uri="{28A0092B-C50C-407E-A947-70E740481C1C}">
-                <a14:useLocalDpi xmlns:a14="http://schemas.microsoft.com/office/drawing/2010/main" val="0"/>
+                <a14:useLocalDpi xmlns:a14="http://schemas.microsoft.com/office/drawing/2010/main" xmlns="" val="0"/>
               </a:ext>
             </a:extLst>
           </a:blip>
@@ -12147,7 +12207,7 @@
     </p:spTree>
     <p:extLst>
       <p:ext uri="{BB962C8B-B14F-4D97-AF65-F5344CB8AC3E}">
-        <p14:creationId xmlns:p14="http://schemas.microsoft.com/office/powerpoint/2010/main" val="4082732621"/>
+        <p14:creationId xmlns:p14="http://schemas.microsoft.com/office/powerpoint/2010/main" xmlns="" val="4082732621"/>
       </p:ext>
     </p:extLst>
   </p:cSld>
@@ -12183,10 +12243,10 @@
           <p:nvPr/>
         </p:nvPicPr>
         <p:blipFill>
-          <a:blip r:embed="rId2">
+          <a:blip r:embed="rId2" cstate="print">
             <a:extLst>
               <a:ext uri="{28A0092B-C50C-407E-A947-70E740481C1C}">
-                <a14:useLocalDpi xmlns:a14="http://schemas.microsoft.com/office/drawing/2010/main" val="0"/>
+                <a14:useLocalDpi xmlns:a14="http://schemas.microsoft.com/office/drawing/2010/main" xmlns="" val="0"/>
               </a:ext>
             </a:extLst>
           </a:blip>
@@ -12581,7 +12641,7 @@
     </p:spTree>
     <p:extLst>
       <p:ext uri="{BB962C8B-B14F-4D97-AF65-F5344CB8AC3E}">
-        <p14:creationId xmlns:p14="http://schemas.microsoft.com/office/powerpoint/2010/main" val="71356688"/>
+        <p14:creationId xmlns:p14="http://schemas.microsoft.com/office/powerpoint/2010/main" xmlns="" val="71356688"/>
       </p:ext>
     </p:extLst>
   </p:cSld>
@@ -12617,10 +12677,10 @@
           <p:nvPr/>
         </p:nvPicPr>
         <p:blipFill>
-          <a:blip r:embed="rId2">
+          <a:blip r:embed="rId2" cstate="print">
             <a:extLst>
               <a:ext uri="{28A0092B-C50C-407E-A947-70E740481C1C}">
-                <a14:useLocalDpi xmlns:a14="http://schemas.microsoft.com/office/drawing/2010/main" val="0"/>
+                <a14:useLocalDpi xmlns:a14="http://schemas.microsoft.com/office/drawing/2010/main" xmlns="" val="0"/>
               </a:ext>
             </a:extLst>
           </a:blip>
@@ -12834,7 +12894,7 @@
     </p:spTree>
     <p:extLst>
       <p:ext uri="{BB962C8B-B14F-4D97-AF65-F5344CB8AC3E}">
-        <p14:creationId xmlns:p14="http://schemas.microsoft.com/office/powerpoint/2010/main" val="4009897419"/>
+        <p14:creationId xmlns:p14="http://schemas.microsoft.com/office/powerpoint/2010/main" xmlns="" val="4009897419"/>
       </p:ext>
     </p:extLst>
   </p:cSld>
@@ -12870,10 +12930,10 @@
           <p:nvPr/>
         </p:nvPicPr>
         <p:blipFill>
-          <a:blip r:embed="rId2">
+          <a:blip r:embed="rId2" cstate="print">
             <a:extLst>
               <a:ext uri="{28A0092B-C50C-407E-A947-70E740481C1C}">
-                <a14:useLocalDpi xmlns:a14="http://schemas.microsoft.com/office/drawing/2010/main" val="0"/>
+                <a14:useLocalDpi xmlns:a14="http://schemas.microsoft.com/office/drawing/2010/main" xmlns="" val="0"/>
               </a:ext>
             </a:extLst>
           </a:blip>
@@ -12952,7 +13012,7 @@
     </p:spTree>
     <p:extLst>
       <p:ext uri="{BB962C8B-B14F-4D97-AF65-F5344CB8AC3E}">
-        <p14:creationId xmlns:p14="http://schemas.microsoft.com/office/powerpoint/2010/main" val="3420668256"/>
+        <p14:creationId xmlns:p14="http://schemas.microsoft.com/office/powerpoint/2010/main" xmlns="" val="3420668256"/>
       </p:ext>
     </p:extLst>
   </p:cSld>
@@ -12988,10 +13048,10 @@
           <p:nvPr/>
         </p:nvPicPr>
         <p:blipFill>
-          <a:blip r:embed="rId2">
+          <a:blip r:embed="rId2" cstate="print">
             <a:extLst>
               <a:ext uri="{28A0092B-C50C-407E-A947-70E740481C1C}">
-                <a14:useLocalDpi xmlns:a14="http://schemas.microsoft.com/office/drawing/2010/main" val="0"/>
+                <a14:useLocalDpi xmlns:a14="http://schemas.microsoft.com/office/drawing/2010/main" xmlns="" val="0"/>
               </a:ext>
             </a:extLst>
           </a:blip>
@@ -13574,7 +13634,7 @@
     </p:spTree>
     <p:extLst>
       <p:ext uri="{BB962C8B-B14F-4D97-AF65-F5344CB8AC3E}">
-        <p14:creationId xmlns:p14="http://schemas.microsoft.com/office/powerpoint/2010/main" val="3501710973"/>
+        <p14:creationId xmlns:p14="http://schemas.microsoft.com/office/powerpoint/2010/main" xmlns="" val="3501710973"/>
       </p:ext>
     </p:extLst>
   </p:cSld>
@@ -13610,10 +13670,10 @@
           <p:nvPr/>
         </p:nvPicPr>
         <p:blipFill>
-          <a:blip r:embed="rId2">
+          <a:blip r:embed="rId2" cstate="print">
             <a:extLst>
               <a:ext uri="{28A0092B-C50C-407E-A947-70E740481C1C}">
-                <a14:useLocalDpi xmlns:a14="http://schemas.microsoft.com/office/drawing/2010/main" val="0"/>
+                <a14:useLocalDpi xmlns:a14="http://schemas.microsoft.com/office/drawing/2010/main" xmlns="" val="0"/>
               </a:ext>
             </a:extLst>
           </a:blip>
@@ -13669,10 +13729,10 @@
           <p:nvPr/>
         </p:nvPicPr>
         <p:blipFill>
-          <a:blip r:embed="rId3">
+          <a:blip r:embed="rId3" cstate="print">
             <a:extLst>
               <a:ext uri="{28A0092B-C50C-407E-A947-70E740481C1C}">
-                <a14:useLocalDpi xmlns:a14="http://schemas.microsoft.com/office/drawing/2010/main" val="0"/>
+                <a14:useLocalDpi xmlns:a14="http://schemas.microsoft.com/office/drawing/2010/main" xmlns="" val="0"/>
               </a:ext>
             </a:extLst>
           </a:blip>
@@ -13692,7 +13752,7 @@
           <a:noFill/>
           <a:extLst>
             <a:ext uri="{909E8E84-426E-40DD-AFC4-6F175D3DCCD1}">
-              <a14:hiddenFill xmlns:a14="http://schemas.microsoft.com/office/drawing/2010/main">
+              <a14:hiddenFill xmlns:a14="http://schemas.microsoft.com/office/drawing/2010/main" xmlns="">
                 <a:solidFill>
                   <a:srgbClr val="FFFFFF"/>
                 </a:solidFill>
@@ -13710,10 +13770,10 @@
           <p:nvPr/>
         </p:nvPicPr>
         <p:blipFill>
-          <a:blip r:embed="rId4">
+          <a:blip r:embed="rId4" cstate="print">
             <a:extLst>
               <a:ext uri="{28A0092B-C50C-407E-A947-70E740481C1C}">
-                <a14:useLocalDpi xmlns:a14="http://schemas.microsoft.com/office/drawing/2010/main" val="0"/>
+                <a14:useLocalDpi xmlns:a14="http://schemas.microsoft.com/office/drawing/2010/main" xmlns="" val="0"/>
               </a:ext>
             </a:extLst>
           </a:blip>
@@ -13733,7 +13793,7 @@
           <a:noFill/>
           <a:extLst>
             <a:ext uri="{909E8E84-426E-40DD-AFC4-6F175D3DCCD1}">
-              <a14:hiddenFill xmlns:a14="http://schemas.microsoft.com/office/drawing/2010/main">
+              <a14:hiddenFill xmlns:a14="http://schemas.microsoft.com/office/drawing/2010/main" xmlns="">
                 <a:solidFill>
                   <a:srgbClr val="FFFFFF"/>
                 </a:solidFill>
@@ -13751,10 +13811,10 @@
           <p:nvPr/>
         </p:nvPicPr>
         <p:blipFill>
-          <a:blip r:embed="rId5">
+          <a:blip r:embed="rId5" cstate="print">
             <a:extLst>
               <a:ext uri="{28A0092B-C50C-407E-A947-70E740481C1C}">
-                <a14:useLocalDpi xmlns:a14="http://schemas.microsoft.com/office/drawing/2010/main" val="0"/>
+                <a14:useLocalDpi xmlns:a14="http://schemas.microsoft.com/office/drawing/2010/main" xmlns="" val="0"/>
               </a:ext>
             </a:extLst>
           </a:blip>
@@ -13774,7 +13834,7 @@
           <a:noFill/>
           <a:extLst>
             <a:ext uri="{909E8E84-426E-40DD-AFC4-6F175D3DCCD1}">
-              <a14:hiddenFill xmlns:a14="http://schemas.microsoft.com/office/drawing/2010/main">
+              <a14:hiddenFill xmlns:a14="http://schemas.microsoft.com/office/drawing/2010/main" xmlns="">
                 <a:solidFill>
                   <a:srgbClr val="FFFFFF"/>
                 </a:solidFill>
@@ -13792,10 +13852,10 @@
           <p:nvPr/>
         </p:nvPicPr>
         <p:blipFill>
-          <a:blip r:embed="rId6">
+          <a:blip r:embed="rId6" cstate="print">
             <a:extLst>
               <a:ext uri="{28A0092B-C50C-407E-A947-70E740481C1C}">
-                <a14:useLocalDpi xmlns:a14="http://schemas.microsoft.com/office/drawing/2010/main" val="0"/>
+                <a14:useLocalDpi xmlns:a14="http://schemas.microsoft.com/office/drawing/2010/main" xmlns="" val="0"/>
               </a:ext>
             </a:extLst>
           </a:blip>
@@ -13815,7 +13875,7 @@
           <a:noFill/>
           <a:extLst>
             <a:ext uri="{909E8E84-426E-40DD-AFC4-6F175D3DCCD1}">
-              <a14:hiddenFill xmlns:a14="http://schemas.microsoft.com/office/drawing/2010/main">
+              <a14:hiddenFill xmlns:a14="http://schemas.microsoft.com/office/drawing/2010/main" xmlns="">
                 <a:solidFill>
                   <a:srgbClr val="FFFFFF"/>
                 </a:solidFill>
@@ -13865,7 +13925,7 @@
     </p:spTree>
     <p:extLst>
       <p:ext uri="{BB962C8B-B14F-4D97-AF65-F5344CB8AC3E}">
-        <p14:creationId xmlns:p14="http://schemas.microsoft.com/office/powerpoint/2010/main" val="1261836540"/>
+        <p14:creationId xmlns:p14="http://schemas.microsoft.com/office/powerpoint/2010/main" xmlns="" val="1261836540"/>
       </p:ext>
     </p:extLst>
   </p:cSld>
@@ -13917,10 +13977,10 @@
           <p:nvPr/>
         </p:nvPicPr>
         <p:blipFill>
-          <a:blip r:embed="rId2">
+          <a:blip r:embed="rId2" cstate="print">
             <a:extLst>
               <a:ext uri="{28A0092B-C50C-407E-A947-70E740481C1C}">
-                <a14:useLocalDpi xmlns:a14="http://schemas.microsoft.com/office/drawing/2010/main" val="0"/>
+                <a14:useLocalDpi xmlns:a14="http://schemas.microsoft.com/office/drawing/2010/main" xmlns="" val="0"/>
               </a:ext>
             </a:extLst>
           </a:blip>
@@ -13979,7 +14039,7 @@
     </p:spTree>
     <p:extLst>
       <p:ext uri="{BB962C8B-B14F-4D97-AF65-F5344CB8AC3E}">
-        <p14:creationId xmlns:p14="http://schemas.microsoft.com/office/powerpoint/2010/main" val="1517758763"/>
+        <p14:creationId xmlns:p14="http://schemas.microsoft.com/office/powerpoint/2010/main" xmlns="" val="1517758763"/>
       </p:ext>
     </p:extLst>
   </p:cSld>
@@ -14015,10 +14075,10 @@
           <p:nvPr/>
         </p:nvPicPr>
         <p:blipFill>
-          <a:blip r:embed="rId2">
+          <a:blip r:embed="rId2" cstate="print">
             <a:extLst>
               <a:ext uri="{28A0092B-C50C-407E-A947-70E740481C1C}">
-                <a14:useLocalDpi xmlns:a14="http://schemas.microsoft.com/office/drawing/2010/main" val="0"/>
+                <a14:useLocalDpi xmlns:a14="http://schemas.microsoft.com/office/drawing/2010/main" xmlns="" val="0"/>
               </a:ext>
             </a:extLst>
           </a:blip>
@@ -14277,7 +14337,7 @@
     </p:spTree>
     <p:extLst>
       <p:ext uri="{BB962C8B-B14F-4D97-AF65-F5344CB8AC3E}">
-        <p14:creationId xmlns:p14="http://schemas.microsoft.com/office/powerpoint/2010/main" val="3168864729"/>
+        <p14:creationId xmlns:p14="http://schemas.microsoft.com/office/powerpoint/2010/main" xmlns="" val="3168864729"/>
       </p:ext>
     </p:extLst>
   </p:cSld>
@@ -14313,10 +14373,10 @@
           <p:nvPr/>
         </p:nvPicPr>
         <p:blipFill>
-          <a:blip r:embed="rId2">
+          <a:blip r:embed="rId2" cstate="print">
             <a:extLst>
               <a:ext uri="{28A0092B-C50C-407E-A947-70E740481C1C}">
-                <a14:useLocalDpi xmlns:a14="http://schemas.microsoft.com/office/drawing/2010/main" val="0"/>
+                <a14:useLocalDpi xmlns:a14="http://schemas.microsoft.com/office/drawing/2010/main" xmlns="" val="0"/>
               </a:ext>
             </a:extLst>
           </a:blip>
@@ -14482,7 +14542,7 @@
     </p:spTree>
     <p:extLst>
       <p:ext uri="{BB962C8B-B14F-4D97-AF65-F5344CB8AC3E}">
-        <p14:creationId xmlns:p14="http://schemas.microsoft.com/office/powerpoint/2010/main" val="2479049588"/>
+        <p14:creationId xmlns:p14="http://schemas.microsoft.com/office/powerpoint/2010/main" xmlns="" val="2479049588"/>
       </p:ext>
     </p:extLst>
   </p:cSld>
@@ -14518,10 +14578,10 @@
           <p:nvPr/>
         </p:nvPicPr>
         <p:blipFill>
-          <a:blip r:embed="rId2">
+          <a:blip r:embed="rId2" cstate="print">
             <a:extLst>
               <a:ext uri="{28A0092B-C50C-407E-A947-70E740481C1C}">
-                <a14:useLocalDpi xmlns:a14="http://schemas.microsoft.com/office/drawing/2010/main" val="0"/>
+                <a14:useLocalDpi xmlns:a14="http://schemas.microsoft.com/office/drawing/2010/main" xmlns="" val="0"/>
               </a:ext>
             </a:extLst>
           </a:blip>
@@ -14600,7 +14660,7 @@
     </p:spTree>
     <p:extLst>
       <p:ext uri="{BB962C8B-B14F-4D97-AF65-F5344CB8AC3E}">
-        <p14:creationId xmlns:p14="http://schemas.microsoft.com/office/powerpoint/2010/main" val="3385812555"/>
+        <p14:creationId xmlns:p14="http://schemas.microsoft.com/office/powerpoint/2010/main" xmlns="" val="3385812555"/>
       </p:ext>
     </p:extLst>
   </p:cSld>
@@ -14636,10 +14696,10 @@
           <p:nvPr/>
         </p:nvPicPr>
         <p:blipFill>
-          <a:blip r:embed="rId2">
+          <a:blip r:embed="rId2" cstate="print">
             <a:extLst>
               <a:ext uri="{28A0092B-C50C-407E-A947-70E740481C1C}">
-                <a14:useLocalDpi xmlns:a14="http://schemas.microsoft.com/office/drawing/2010/main" val="0"/>
+                <a14:useLocalDpi xmlns:a14="http://schemas.microsoft.com/office/drawing/2010/main" xmlns="" val="0"/>
               </a:ext>
             </a:extLst>
           </a:blip>
@@ -14718,7 +14778,7 @@
     </p:spTree>
     <p:extLst>
       <p:ext uri="{BB962C8B-B14F-4D97-AF65-F5344CB8AC3E}">
-        <p14:creationId xmlns:p14="http://schemas.microsoft.com/office/powerpoint/2010/main" val="161334663"/>
+        <p14:creationId xmlns:p14="http://schemas.microsoft.com/office/powerpoint/2010/main" xmlns="" val="161334663"/>
       </p:ext>
     </p:extLst>
   </p:cSld>
@@ -14754,10 +14814,10 @@
           <p:nvPr/>
         </p:nvPicPr>
         <p:blipFill>
-          <a:blip r:embed="rId2">
+          <a:blip r:embed="rId2" cstate="print">
             <a:extLst>
               <a:ext uri="{28A0092B-C50C-407E-A947-70E740481C1C}">
-                <a14:useLocalDpi xmlns:a14="http://schemas.microsoft.com/office/drawing/2010/main" val="0"/>
+                <a14:useLocalDpi xmlns:a14="http://schemas.microsoft.com/office/drawing/2010/main" xmlns="" val="0"/>
               </a:ext>
             </a:extLst>
           </a:blip>
@@ -15024,7 +15084,7 @@
     </p:spTree>
     <p:extLst>
       <p:ext uri="{BB962C8B-B14F-4D97-AF65-F5344CB8AC3E}">
-        <p14:creationId xmlns:p14="http://schemas.microsoft.com/office/powerpoint/2010/main" val="66762248"/>
+        <p14:creationId xmlns:p14="http://schemas.microsoft.com/office/powerpoint/2010/main" xmlns="" val="66762248"/>
       </p:ext>
     </p:extLst>
   </p:cSld>
@@ -15060,10 +15120,10 @@
           <p:nvPr/>
         </p:nvPicPr>
         <p:blipFill>
-          <a:blip r:embed="rId2">
+          <a:blip r:embed="rId2" cstate="print">
             <a:extLst>
               <a:ext uri="{28A0092B-C50C-407E-A947-70E740481C1C}">
-                <a14:useLocalDpi xmlns:a14="http://schemas.microsoft.com/office/drawing/2010/main" val="0"/>
+                <a14:useLocalDpi xmlns:a14="http://schemas.microsoft.com/office/drawing/2010/main" xmlns="" val="0"/>
               </a:ext>
             </a:extLst>
           </a:blip>
@@ -15148,7 +15208,7 @@
           <p:nvPr/>
         </p:nvPicPr>
         <p:blipFill>
-          <a:blip r:embed="rId3"/>
+          <a:blip r:embed="rId3" cstate="print"/>
           <a:stretch>
             <a:fillRect/>
           </a:stretch>
@@ -15354,7 +15414,7 @@
     </p:spTree>
     <p:extLst>
       <p:ext uri="{BB962C8B-B14F-4D97-AF65-F5344CB8AC3E}">
-        <p14:creationId xmlns:p14="http://schemas.microsoft.com/office/powerpoint/2010/main" val="4181695128"/>
+        <p14:creationId xmlns:p14="http://schemas.microsoft.com/office/powerpoint/2010/main" xmlns="" val="4181695128"/>
       </p:ext>
     </p:extLst>
   </p:cSld>
@@ -15407,7 +15467,7 @@
     </a:clrScheme>
     <a:fontScheme name="Citável">
       <a:majorFont>
-        <a:latin typeface="Century Gothic" panose="020B0502020202020204"/>
+        <a:latin typeface="Century Gothic"/>
         <a:ea typeface=""/>
         <a:cs typeface=""/>
         <a:font script="Jpan" typeface="ＭＳ ゴシック"/>
@@ -15442,7 +15502,7 @@
         <a:font script="Geor" typeface="Sylfaen"/>
       </a:majorFont>
       <a:minorFont>
-        <a:latin typeface="Century Gothic" panose="020B0502020202020204"/>
+        <a:latin typeface="Century Gothic"/>
         <a:ea typeface=""/>
         <a:cs typeface=""/>
         <a:font script="Jpan" typeface="ＭＳ ゴシック"/>
@@ -15595,7 +15655,7 @@
   <a:extraClrSchemeLst/>
   <a:extLst>
     <a:ext uri="{05A4C25C-085E-4340-85A3-A5531E510DB2}">
-      <thm15:themeFamily xmlns:thm15="http://schemas.microsoft.com/office/thememl/2012/main" name="Quotable" id="{39EC5628-30ED-4578-ACD8-9820EDB8E15A}" vid="{6F3559E9-1A4C-49D8-94D4-F41003531C49}"/>
+      <thm15:themeFamily xmlns:thm15="http://schemas.microsoft.com/office/thememl/2012/main" xmlns="" name="Quotable" id="{39EC5628-30ED-4578-ACD8-9820EDB8E15A}" vid="{6F3559E9-1A4C-49D8-94D4-F41003531C49}"/>
     </a:ext>
   </a:extLst>
 </a:theme>
@@ -15644,7 +15704,7 @@
     </a:clrScheme>
     <a:fontScheme name="Office">
       <a:majorFont>
-        <a:latin typeface="Calibri Light" panose="020F0302020204030204"/>
+        <a:latin typeface="Calibri Light"/>
         <a:ea typeface=""/>
         <a:cs typeface=""/>
         <a:font script="Jpan" typeface="游ゴシック Light"/>
@@ -15696,7 +15756,7 @@
         <a:font script="Tfng" typeface="Ebrima"/>
       </a:majorFont>
       <a:minorFont>
-        <a:latin typeface="Calibri" panose="020F0502020204030204"/>
+        <a:latin typeface="Calibri"/>
         <a:ea typeface=""/>
         <a:cs typeface=""/>
         <a:font script="Jpan" typeface="游ゴシック"/>
@@ -15890,7 +15950,7 @@
   <a:extraClrSchemeLst/>
   <a:extLst>
     <a:ext uri="{05A4C25C-085E-4340-85A3-A5531E510DB2}">
-      <thm15:themeFamily xmlns:thm15="http://schemas.microsoft.com/office/thememl/2012/main" name="Office Theme" id="{62F939B6-93AF-4DB8-9C6B-D6C7DFDC589F}" vid="{4A3C46E8-61CC-4603-A589-7422A47A8E4A}"/>
+      <thm15:themeFamily xmlns:thm15="http://schemas.microsoft.com/office/thememl/2012/main" xmlns="" name="Office Theme" id="{62F939B6-93AF-4DB8-9C6B-D6C7DFDC589F}" vid="{4A3C46E8-61CC-4603-A589-7422A47A8E4A}"/>
     </a:ext>
   </a:extLst>
 </a:theme>

--- a/Artefatos/ApresentaçãoFinal.pptx
+++ b/Artefatos/ApresentaçãoFinal.pptx
@@ -6817,8 +6817,8 @@
         </p:blipFill>
         <p:spPr>
           <a:xfrm>
-            <a:off x="1143529" y="1902845"/>
-            <a:ext cx="1495964" cy="1495964"/>
+            <a:off x="854629" y="1929014"/>
+            <a:ext cx="1285408" cy="1285408"/>
           </a:xfrm>
           <a:prstGeom prst="rect">
             <a:avLst/>
@@ -6847,8 +6847,8 @@
         </p:blipFill>
         <p:spPr>
           <a:xfrm>
-            <a:off x="3805295" y="1902845"/>
-            <a:ext cx="1495964" cy="1495964"/>
+            <a:off x="4999359" y="1928723"/>
+            <a:ext cx="1285991" cy="1285991"/>
           </a:xfrm>
           <a:prstGeom prst="rect">
             <a:avLst/>
@@ -6877,8 +6877,8 @@
         </p:blipFill>
         <p:spPr>
           <a:xfrm>
-            <a:off x="6325216" y="1896735"/>
-            <a:ext cx="1495964" cy="1495964"/>
+            <a:off x="7073197" y="1931311"/>
+            <a:ext cx="1282820" cy="1282820"/>
           </a:xfrm>
           <a:prstGeom prst="rect">
             <a:avLst/>
@@ -6893,8 +6893,42 @@
         </p:nvSpPr>
         <p:spPr>
           <a:xfrm>
-            <a:off x="1001684" y="3398809"/>
+            <a:off x="607506" y="3214131"/>
             <a:ext cx="1779654" cy="369332"/>
+          </a:xfrm>
+          <a:prstGeom prst="rect">
+            <a:avLst/>
+          </a:prstGeom>
+          <a:noFill/>
+        </p:spPr>
+        <p:txBody>
+          <a:bodyPr wrap="square" rtlCol="0">
+            <a:spAutoFit/>
+          </a:bodyPr>
+          <a:lstStyle/>
+          <a:p>
+            <a:r>
+              <a:rPr lang="pt-BR" dirty="0"/>
+              <a:t>Bruno </a:t>
+            </a:r>
+            <a:r>
+              <a:rPr lang="pt-BR" dirty="0" err="1"/>
+              <a:t>Emerich</a:t>
+            </a:r>
+            <a:endParaRPr lang="pt-BR" dirty="0"/>
+          </a:p>
+        </p:txBody>
+      </p:sp>
+      <p:sp>
+        <p:nvSpPr>
+          <p:cNvPr id="9" name="CaixaDeTexto 8"/>
+          <p:cNvSpPr txBox="1"/>
+          <p:nvPr/>
+        </p:nvSpPr>
+        <p:spPr>
+          <a:xfrm>
+            <a:off x="5065112" y="3214131"/>
+            <a:ext cx="1154483" cy="369332"/>
           </a:xfrm>
           <a:prstGeom prst="rect">
             <a:avLst/>
@@ -6909,26 +6943,21 @@
           <a:p>
             <a:r>
               <a:rPr lang="pt-BR" dirty="0"/>
-              <a:t>Bruno </a:t>
-            </a:r>
-            <a:r>
-              <a:rPr lang="pt-BR" dirty="0" err="1"/>
-              <a:t>Emerich</a:t>
-            </a:r>
-            <a:endParaRPr lang="pt-BR" dirty="0"/>
-          </a:p>
-        </p:txBody>
-      </p:sp>
-      <p:sp>
-        <p:nvSpPr>
-          <p:cNvPr id="9" name="CaixaDeTexto 8"/>
+              <a:t>Matheus</a:t>
+            </a:r>
+          </a:p>
+        </p:txBody>
+      </p:sp>
+      <p:sp>
+        <p:nvSpPr>
+          <p:cNvPr id="10" name="CaixaDeTexto 9"/>
           <p:cNvSpPr txBox="1"/>
           <p:nvPr/>
         </p:nvSpPr>
         <p:spPr>
           <a:xfrm>
-            <a:off x="3663450" y="3398809"/>
-            <a:ext cx="1154483" cy="369332"/>
+            <a:off x="6763865" y="3214131"/>
+            <a:ext cx="1901483" cy="369332"/>
           </a:xfrm>
           <a:prstGeom prst="rect">
             <a:avLst/>
@@ -6943,21 +6972,56 @@
           <a:p>
             <a:r>
               <a:rPr lang="pt-BR" dirty="0"/>
-              <a:t>Matheus</a:t>
-            </a:r>
-          </a:p>
-        </p:txBody>
-      </p:sp>
-      <p:sp>
-        <p:nvSpPr>
-          <p:cNvPr id="10" name="CaixaDeTexto 9"/>
+              <a:t>Nicolas </a:t>
+            </a:r>
+            <a:r>
+              <a:rPr lang="pt-BR" dirty="0" err="1"/>
+              <a:t>Meinen</a:t>
+            </a:r>
+            <a:endParaRPr lang="pt-BR" dirty="0"/>
+          </a:p>
+        </p:txBody>
+      </p:sp>
+      <p:pic>
+        <p:nvPicPr>
+          <p:cNvPr id="11" name="Imagem 10"/>
+          <p:cNvPicPr>
+            <a:picLocks noChangeAspect="1"/>
+          </p:cNvPicPr>
+          <p:nvPr/>
+        </p:nvPicPr>
+        <p:blipFill>
+          <a:blip r:embed="rId6">
+            <a:extLst>
+              <a:ext uri="{28A0092B-C50C-407E-A947-70E740481C1C}">
+                <a14:useLocalDpi xmlns:a14="http://schemas.microsoft.com/office/drawing/2010/main" val="0"/>
+              </a:ext>
+            </a:extLst>
+          </a:blip>
+          <a:stretch>
+            <a:fillRect/>
+          </a:stretch>
+        </p:blipFill>
+        <p:spPr>
+          <a:xfrm>
+            <a:off x="2926104" y="1929306"/>
+            <a:ext cx="1285408" cy="1285408"/>
+          </a:xfrm>
+          <a:prstGeom prst="rect">
+            <a:avLst/>
+          </a:prstGeom>
+        </p:spPr>
+      </p:pic>
+      <p:sp>
+        <p:nvSpPr>
+          <p:cNvPr id="14" name="CaixaDeTexto 13"/>
           <p:cNvSpPr txBox="1"/>
           <p:nvPr/>
         </p:nvSpPr>
         <p:spPr>
           <a:xfrm>
-            <a:off x="6122456" y="3398809"/>
-            <a:ext cx="1901483" cy="369332"/>
+            <a:off x="2571235" y="3216008"/>
+            <a:ext cx="1999265" cy="369332"/>
           </a:xfrm>
           <a:prstGeom prst="rect">
             <a:avLst/>
@@ -6972,13 +7036,8 @@
           <a:p>
             <a:r>
               <a:rPr lang="pt-BR" dirty="0"/>
-              <a:t>Nicolas </a:t>
-            </a:r>
-            <a:r>
-              <a:rPr lang="pt-BR" dirty="0" err="1"/>
-              <a:t>Meinen</a:t>
-            </a:r>
-            <a:endParaRPr lang="pt-BR" dirty="0"/>
+              <a:t>Claudio Santoro</a:t>
+            </a:r>
           </a:p>
         </p:txBody>
       </p:sp>
@@ -13706,7 +13765,7 @@
         </p:blipFill>
         <p:spPr>
           <a:xfrm>
-            <a:off x="6576433" y="1840948"/>
+            <a:off x="7356033" y="1803815"/>
             <a:ext cx="1368256" cy="1368256"/>
           </a:xfrm>
           <a:prstGeom prst="rect">
@@ -13736,7 +13795,7 @@
         </p:blipFill>
         <p:spPr>
           <a:xfrm>
-            <a:off x="1161865" y="1840948"/>
+            <a:off x="446752" y="1803815"/>
             <a:ext cx="1368256" cy="1368256"/>
           </a:xfrm>
           <a:prstGeom prst="rect">
@@ -13766,7 +13825,7 @@
         </p:blipFill>
         <p:spPr>
           <a:xfrm>
-            <a:off x="3869149" y="1840948"/>
+            <a:off x="3909019" y="1803815"/>
             <a:ext cx="1368256" cy="1368256"/>
           </a:xfrm>
           <a:prstGeom prst="rect">
@@ -13782,8 +13841,8 @@
         </p:nvSpPr>
         <p:spPr>
           <a:xfrm>
-            <a:off x="934525" y="3305723"/>
-            <a:ext cx="1822935" cy="369332"/>
+            <a:off x="310783" y="3201880"/>
+            <a:ext cx="1640193" cy="338554"/>
           </a:xfrm>
           <a:prstGeom prst="rect">
             <a:avLst/>
@@ -13797,11 +13856,11 @@
           <a:lstStyle/>
           <a:p>
             <a:r>
-              <a:rPr lang="pt-BR" dirty="0" err="1"/>
+              <a:rPr lang="pt-BR" sz="1600" dirty="0" err="1"/>
               <a:t>Adonay</a:t>
             </a:r>
             <a:r>
-              <a:rPr lang="pt-BR" dirty="0"/>
+              <a:rPr lang="pt-BR" sz="1600" dirty="0"/>
               <a:t> Veiga</a:t>
             </a:r>
           </a:p>
@@ -13815,8 +13874,8 @@
         </p:nvSpPr>
         <p:spPr>
           <a:xfrm>
-            <a:off x="3761233" y="3305723"/>
-            <a:ext cx="1584088" cy="369332"/>
+            <a:off x="3838979" y="3180054"/>
+            <a:ext cx="1428596" cy="338554"/>
           </a:xfrm>
           <a:prstGeom prst="rect">
             <a:avLst/>
@@ -13830,7 +13889,7 @@
           <a:lstStyle/>
           <a:p>
             <a:r>
-              <a:rPr lang="pt-BR" dirty="0"/>
+              <a:rPr lang="pt-BR" sz="1600" dirty="0"/>
               <a:t>Filipe Afonso</a:t>
             </a:r>
           </a:p>
@@ -13844,8 +13903,8 @@
         </p:nvSpPr>
         <p:spPr>
           <a:xfrm>
-            <a:off x="6552675" y="3305723"/>
-            <a:ext cx="1415772" cy="369332"/>
+            <a:off x="7400402" y="3197183"/>
+            <a:ext cx="1279517" cy="338554"/>
           </a:xfrm>
           <a:prstGeom prst="rect">
             <a:avLst/>
@@ -13859,9 +13918,132 @@
           <a:lstStyle/>
           <a:p>
             <a:r>
-              <a:rPr lang="pt-BR" dirty="0"/>
+              <a:rPr lang="pt-BR" sz="1600" dirty="0"/>
               <a:t>Thiago Pita</a:t>
             </a:r>
+          </a:p>
+        </p:txBody>
+      </p:sp>
+      <p:pic>
+        <p:nvPicPr>
+          <p:cNvPr id="12" name="Imagem 11"/>
+          <p:cNvPicPr>
+            <a:picLocks noChangeAspect="1"/>
+          </p:cNvPicPr>
+          <p:nvPr/>
+        </p:nvPicPr>
+        <p:blipFill>
+          <a:blip r:embed="rId6">
+            <a:extLst>
+              <a:ext uri="{28A0092B-C50C-407E-A947-70E740481C1C}">
+                <a14:useLocalDpi xmlns:a14="http://schemas.microsoft.com/office/drawing/2010/main" val="0"/>
+              </a:ext>
+            </a:extLst>
+          </a:blip>
+          <a:stretch>
+            <a:fillRect/>
+          </a:stretch>
+        </p:blipFill>
+        <p:spPr>
+          <a:xfrm>
+            <a:off x="5632526" y="1803815"/>
+            <a:ext cx="1368256" cy="1368256"/>
+          </a:xfrm>
+          <a:prstGeom prst="rect">
+            <a:avLst/>
+          </a:prstGeom>
+        </p:spPr>
+      </p:pic>
+      <p:pic>
+        <p:nvPicPr>
+          <p:cNvPr id="13" name="Imagem 12"/>
+          <p:cNvPicPr>
+            <a:picLocks noChangeAspect="1"/>
+          </p:cNvPicPr>
+          <p:nvPr/>
+        </p:nvPicPr>
+        <p:blipFill>
+          <a:blip r:embed="rId7">
+            <a:extLst>
+              <a:ext uri="{28A0092B-C50C-407E-A947-70E740481C1C}">
+                <a14:useLocalDpi xmlns:a14="http://schemas.microsoft.com/office/drawing/2010/main" val="0"/>
+              </a:ext>
+            </a:extLst>
+          </a:blip>
+          <a:stretch>
+            <a:fillRect/>
+          </a:stretch>
+        </p:blipFill>
+        <p:spPr>
+          <a:xfrm>
+            <a:off x="2170258" y="1803815"/>
+            <a:ext cx="1383510" cy="1368256"/>
+          </a:xfrm>
+          <a:prstGeom prst="rect">
+            <a:avLst/>
+          </a:prstGeom>
+        </p:spPr>
+      </p:pic>
+      <p:sp>
+        <p:nvSpPr>
+          <p:cNvPr id="14" name="CaixaDeTexto 13"/>
+          <p:cNvSpPr txBox="1"/>
+          <p:nvPr/>
+        </p:nvSpPr>
+        <p:spPr>
+          <a:xfrm>
+            <a:off x="1978186" y="3197183"/>
+            <a:ext cx="1758815" cy="338554"/>
+          </a:xfrm>
+          <a:prstGeom prst="rect">
+            <a:avLst/>
+          </a:prstGeom>
+          <a:noFill/>
+        </p:spPr>
+        <p:txBody>
+          <a:bodyPr wrap="none" rtlCol="0">
+            <a:spAutoFit/>
+          </a:bodyPr>
+          <a:lstStyle/>
+          <a:p>
+            <a:r>
+              <a:rPr lang="pt-BR" sz="1600" dirty="0"/>
+              <a:t>Danilo Gameiro</a:t>
+            </a:r>
+          </a:p>
+        </p:txBody>
+      </p:sp>
+      <p:sp>
+        <p:nvSpPr>
+          <p:cNvPr id="15" name="CaixaDeTexto 14"/>
+          <p:cNvSpPr txBox="1"/>
+          <p:nvPr/>
+        </p:nvSpPr>
+        <p:spPr>
+          <a:xfrm>
+            <a:off x="5428430" y="3197183"/>
+            <a:ext cx="1776448" cy="338554"/>
+          </a:xfrm>
+          <a:prstGeom prst="rect">
+            <a:avLst/>
+          </a:prstGeom>
+          <a:noFill/>
+        </p:spPr>
+        <p:txBody>
+          <a:bodyPr wrap="none" rtlCol="0">
+            <a:spAutoFit/>
+          </a:bodyPr>
+          <a:lstStyle/>
+          <a:p>
+            <a:r>
+              <a:rPr lang="pt-BR" sz="1600" dirty="0"/>
+              <a:t>Gustavo </a:t>
+            </a:r>
+            <a:r>
+              <a:rPr lang="pt-BR" sz="1600" dirty="0" err="1"/>
+              <a:t>Gianini</a:t>
+            </a:r>
+            <a:endParaRPr lang="pt-BR" sz="1600" dirty="0"/>
           </a:p>
         </p:txBody>
       </p:sp>
